--- a/tmp_client/doc/TMP_EIT_suites/Local_EIT2_run_LSH1.pptx
+++ b/tmp_client/doc/TMP_EIT_suites/Local_EIT2_run_LSH1.pptx
@@ -272,7 +272,7 @@
               <a:rPr lang="en-US" smtClean="0">
                 <a:latin typeface="Arial"/>
               </a:rPr>
-              <a:t>11/23/2020</a:t>
+              <a:t>8/21/2024</a:t>
             </a:fld>
             <a:endParaRPr lang="en-US" dirty="0">
               <a:latin typeface="Arial"/>
@@ -450,7 +450,7 @@
             <a:fld id="{D348782D-5FE9-438D-A614-AC8A541C0258}" type="datetimeFigureOut">
               <a:rPr lang="en-US" smtClean="0"/>
               <a:pPr/>
-              <a:t>11/23/2020</a:t>
+              <a:t>8/21/2024</a:t>
             </a:fld>
             <a:endParaRPr lang="en-US" dirty="0"/>
           </a:p>
@@ -514,38 +514,37 @@
           <a:p>
             <a:pPr lvl="0"/>
             <a:r>
-              <a:rPr lang="en-US" dirty="0" smtClean="0"/>
+              <a:rPr lang="en-US" dirty="0"/>
               <a:t>Click to edit Master text styles</a:t>
             </a:r>
           </a:p>
           <a:p>
             <a:pPr lvl="1"/>
             <a:r>
-              <a:rPr lang="en-US" dirty="0" smtClean="0"/>
+              <a:rPr lang="en-US" dirty="0"/>
               <a:t>Second level</a:t>
             </a:r>
           </a:p>
           <a:p>
             <a:pPr lvl="2"/>
             <a:r>
-              <a:rPr lang="en-US" dirty="0" smtClean="0"/>
+              <a:rPr lang="en-US" dirty="0"/>
               <a:t>Third level</a:t>
             </a:r>
           </a:p>
           <a:p>
             <a:pPr lvl="3"/>
             <a:r>
-              <a:rPr lang="en-US" dirty="0" smtClean="0"/>
+              <a:rPr lang="en-US" dirty="0"/>
               <a:t>Fourth level</a:t>
             </a:r>
           </a:p>
           <a:p>
             <a:pPr lvl="4"/>
             <a:r>
-              <a:rPr lang="en-US" dirty="0" smtClean="0"/>
+              <a:rPr lang="en-US" dirty="0"/>
               <a:t>Fifth level</a:t>
             </a:r>
-            <a:endParaRPr lang="en-US" dirty="0"/>
           </a:p>
         </p:txBody>
       </p:sp>
@@ -860,7 +859,6 @@
             <a:tailEnd type="none" w="med" len="med"/>
           </a:ln>
           <a:effectLst/>
-          <a:extLst/>
         </p:spPr>
         <p:txBody>
           <a:bodyPr vert="horz" wrap="square" lIns="91440" tIns="45720" rIns="91440" bIns="45720" numCol="1" rtlCol="0" anchor="t" anchorCtr="0" compatLnSpc="1">
@@ -886,7 +884,7 @@
               <a:buNone/>
               <a:tabLst/>
             </a:pPr>
-            <a:endParaRPr kumimoji="0" lang="en-US" sz="3400" b="0" i="0" u="none" strike="noStrike" cap="none" normalizeH="0" baseline="0" dirty="0" smtClean="0">
+            <a:endParaRPr kumimoji="0" lang="en-US" sz="3400" b="0" i="0" u="none" strike="noStrike" cap="none" normalizeH="0" baseline="0" dirty="0">
               <a:ln>
                 <a:noFill/>
               </a:ln>
@@ -942,7 +940,6 @@
             <a:tailEnd type="none" w="med" len="med"/>
           </a:ln>
           <a:effectLst/>
-          <a:extLst/>
         </p:spPr>
         <p:txBody>
           <a:bodyPr vert="horz" wrap="square" lIns="91440" tIns="45720" rIns="91440" bIns="45720" numCol="1" rtlCol="0" anchor="t" anchorCtr="0" compatLnSpc="1">
@@ -968,7 +965,7 @@
               <a:buNone/>
               <a:tabLst/>
             </a:pPr>
-            <a:endParaRPr kumimoji="0" lang="en-US" sz="3400" b="0" i="0" u="none" strike="noStrike" cap="none" normalizeH="0" baseline="0" dirty="0" smtClean="0">
+            <a:endParaRPr kumimoji="0" lang="en-US" sz="3400" b="0" i="0" u="none" strike="noStrike" cap="none" normalizeH="0" baseline="0" dirty="0">
               <a:ln>
                 <a:noFill/>
               </a:ln>
@@ -1064,7 +1061,7 @@
           <a:p>
             <a:pPr lvl="0"/>
             <a:r>
-              <a:rPr lang="en-US" dirty="0" smtClean="0"/>
+              <a:rPr lang="en-US" dirty="0"/>
               <a:t>Author Name, Author Job Title</a:t>
             </a:r>
           </a:p>
@@ -1108,7 +1105,7 @@
           </a:lstStyle>
           <a:p>
             <a:r>
-              <a:rPr lang="en-US" smtClean="0"/>
+              <a:rPr lang="en-US"/>
               <a:t>Click to edit Master title style</a:t>
             </a:r>
             <a:endParaRPr lang="en-US" dirty="0"/>
@@ -7706,21 +7703,6 @@
   <p:clrMapOvr>
     <a:overrideClrMapping bg1="lt1" tx1="dk1" bg2="lt2" tx2="dk2" accent1="accent1" accent2="accent2" accent3="accent3" accent4="accent4" accent5="accent5" accent6="accent6" hlink="hlink" folHlink="folHlink"/>
   </p:clrMapOvr>
-  <mc:AlternateContent xmlns:mc="http://schemas.openxmlformats.org/markup-compatibility/2006" xmlns:p14="http://schemas.microsoft.com/office/powerpoint/2010/main">
-    <mc:Choice Requires="p14">
-      <p:transition p14:dur="0"/>
-    </mc:Choice>
-    <mc:Fallback xmlns="">
-      <p:transition/>
-    </mc:Fallback>
-  </mc:AlternateContent>
-  <p:timing>
-    <p:tnLst>
-      <p:par>
-        <p:cTn id="1" dur="indefinite" restart="never" nodeType="tmRoot"/>
-      </p:par>
-    </p:tnLst>
-  </p:timing>
   <p:hf hdr="0" dt="0"/>
 </p:sldLayout>
 </file>
@@ -7777,7 +7759,6 @@
             <a:tailEnd type="none" w="med" len="med"/>
           </a:ln>
           <a:effectLst/>
-          <a:extLst/>
         </p:spPr>
         <p:txBody>
           <a:bodyPr vert="horz" wrap="square" lIns="91440" tIns="45720" rIns="91440" bIns="45720" numCol="1" rtlCol="0" anchor="t" anchorCtr="0" compatLnSpc="1">
@@ -7803,7 +7784,7 @@
               <a:buNone/>
               <a:tabLst/>
             </a:pPr>
-            <a:endParaRPr kumimoji="0" lang="en-US" sz="3400" b="0" i="0" u="none" strike="noStrike" cap="none" normalizeH="0" baseline="0" dirty="0" smtClean="0">
+            <a:endParaRPr kumimoji="0" lang="en-US" sz="3400" b="0" i="0" u="none" strike="noStrike" cap="none" normalizeH="0" baseline="0" dirty="0">
               <a:ln>
                 <a:noFill/>
               </a:ln>
@@ -7859,7 +7840,6 @@
             <a:tailEnd type="none" w="med" len="med"/>
           </a:ln>
           <a:effectLst/>
-          <a:extLst/>
         </p:spPr>
         <p:txBody>
           <a:bodyPr vert="horz" wrap="square" lIns="91440" tIns="45720" rIns="91440" bIns="45720" numCol="1" rtlCol="0" anchor="t" anchorCtr="0" compatLnSpc="1">
@@ -7885,7 +7865,7 @@
               <a:buNone/>
               <a:tabLst/>
             </a:pPr>
-            <a:endParaRPr kumimoji="0" lang="en-US" sz="3400" b="0" i="0" u="none" strike="noStrike" cap="none" normalizeH="0" baseline="0" dirty="0" smtClean="0">
+            <a:endParaRPr kumimoji="0" lang="en-US" sz="3400" b="0" i="0" u="none" strike="noStrike" cap="none" normalizeH="0" baseline="0" dirty="0">
               <a:ln>
                 <a:noFill/>
               </a:ln>
@@ -7981,7 +7961,7 @@
           <a:p>
             <a:pPr lvl="0"/>
             <a:r>
-              <a:rPr lang="en-US" dirty="0" smtClean="0"/>
+              <a:rPr lang="en-US" dirty="0"/>
               <a:t>Author Name, Author Job Title</a:t>
             </a:r>
           </a:p>
@@ -8067,7 +8047,7 @@
           <a:p>
             <a:pPr lvl="0"/>
             <a:r>
-              <a:rPr lang="en-US" dirty="0" smtClean="0"/>
+              <a:rPr lang="en-US" dirty="0"/>
               <a:t>Date</a:t>
             </a:r>
           </a:p>
@@ -8111,7 +8091,7 @@
           </a:lstStyle>
           <a:p>
             <a:r>
-              <a:rPr lang="en-US" smtClean="0"/>
+              <a:rPr lang="en-US"/>
               <a:t>Click to edit Master title style</a:t>
             </a:r>
             <a:endParaRPr lang="en-US" dirty="0"/>
@@ -14709,21 +14689,6 @@
   <p:clrMapOvr>
     <a:overrideClrMapping bg1="lt1" tx1="dk1" bg2="lt2" tx2="dk2" accent1="accent1" accent2="accent2" accent3="accent3" accent4="accent4" accent5="accent5" accent6="accent6" hlink="hlink" folHlink="folHlink"/>
   </p:clrMapOvr>
-  <mc:AlternateContent xmlns:mc="http://schemas.openxmlformats.org/markup-compatibility/2006" xmlns:p14="http://schemas.microsoft.com/office/powerpoint/2010/main">
-    <mc:Choice Requires="p14">
-      <p:transition p14:dur="0"/>
-    </mc:Choice>
-    <mc:Fallback xmlns="">
-      <p:transition/>
-    </mc:Fallback>
-  </mc:AlternateContent>
-  <p:timing>
-    <p:tnLst>
-      <p:par>
-        <p:cTn id="1" dur="indefinite" restart="never" nodeType="tmRoot"/>
-      </p:par>
-    </p:tnLst>
-  </p:timing>
   <p:hf hdr="0" dt="0"/>
 </p:sldLayout>
 </file>
@@ -14761,10 +14726,9 @@
           <a:lstStyle/>
           <a:p>
             <a:r>
-              <a:rPr lang="en-US" smtClean="0"/>
+              <a:rPr lang="en-US"/>
               <a:t>Click to edit Master title style</a:t>
             </a:r>
-            <a:endParaRPr lang="en-US"/>
           </a:p>
         </p:txBody>
       </p:sp>
@@ -14785,38 +14749,37 @@
           <a:p>
             <a:pPr lvl="0"/>
             <a:r>
-              <a:rPr lang="en-US" smtClean="0"/>
+              <a:rPr lang="en-US"/>
               <a:t>Click to edit Master text styles</a:t>
             </a:r>
           </a:p>
           <a:p>
             <a:pPr lvl="1"/>
             <a:r>
-              <a:rPr lang="en-US" smtClean="0"/>
+              <a:rPr lang="en-US"/>
               <a:t>Second level</a:t>
             </a:r>
           </a:p>
           <a:p>
             <a:pPr lvl="2"/>
             <a:r>
-              <a:rPr lang="en-US" smtClean="0"/>
+              <a:rPr lang="en-US"/>
               <a:t>Third level</a:t>
             </a:r>
           </a:p>
           <a:p>
             <a:pPr lvl="3"/>
             <a:r>
-              <a:rPr lang="en-US" smtClean="0"/>
+              <a:rPr lang="en-US"/>
               <a:t>Fourth level</a:t>
             </a:r>
           </a:p>
           <a:p>
             <a:pPr lvl="4"/>
             <a:r>
-              <a:rPr lang="en-US" smtClean="0"/>
+              <a:rPr lang="en-US"/>
               <a:t>Fifth level</a:t>
             </a:r>
-            <a:endParaRPr lang="en-US"/>
           </a:p>
         </p:txBody>
       </p:sp>
@@ -14968,7 +14931,6 @@
             <a:tailEnd type="none" w="med" len="med"/>
           </a:ln>
           <a:effectLst/>
-          <a:extLst/>
         </p:spPr>
         <p:txBody>
           <a:bodyPr vert="horz" wrap="square" lIns="91440" tIns="45720" rIns="91440" bIns="45720" numCol="1" rtlCol="0" anchor="t" anchorCtr="0" compatLnSpc="1">
@@ -14994,7 +14956,7 @@
               <a:buNone/>
               <a:tabLst/>
             </a:pPr>
-            <a:endParaRPr kumimoji="0" lang="en-US" sz="3400" b="0" i="0" u="none" strike="noStrike" cap="none" normalizeH="0" baseline="0" dirty="0" smtClean="0">
+            <a:endParaRPr kumimoji="0" lang="en-US" sz="3400" b="0" i="0" u="none" strike="noStrike" cap="none" normalizeH="0" baseline="0" dirty="0">
               <a:ln>
                 <a:noFill/>
               </a:ln>
@@ -15336,7 +15298,6 @@
             <a:tailEnd type="none" w="med" len="med"/>
           </a:ln>
           <a:effectLst/>
-          <a:extLst/>
         </p:spPr>
         <p:txBody>
           <a:bodyPr vert="horz" wrap="square" lIns="91440" tIns="45720" rIns="91440" bIns="45720" numCol="1" rtlCol="0" anchor="t" anchorCtr="0" compatLnSpc="1">
@@ -15362,7 +15323,7 @@
               <a:buNone/>
               <a:tabLst/>
             </a:pPr>
-            <a:endParaRPr kumimoji="0" lang="en-US" sz="3400" b="0" i="0" u="none" strike="noStrike" cap="none" normalizeH="0" baseline="0" dirty="0" smtClean="0">
+            <a:endParaRPr kumimoji="0" lang="en-US" sz="3400" b="0" i="0" u="none" strike="noStrike" cap="none" normalizeH="0" baseline="0" dirty="0">
               <a:ln>
                 <a:noFill/>
               </a:ln>
@@ -15410,7 +15371,7 @@
           </a:lstStyle>
           <a:p>
             <a:r>
-              <a:rPr lang="en-US" smtClean="0"/>
+              <a:rPr lang="en-US"/>
               <a:t>Click to edit Master title style</a:t>
             </a:r>
             <a:endParaRPr lang="en-US" dirty="0"/>
@@ -15470,35 +15431,35 @@
           <a:p>
             <a:pPr lvl="0"/>
             <a:r>
-              <a:rPr lang="en-US" smtClean="0"/>
+              <a:rPr lang="en-US"/>
               <a:t>Click to edit Master text styles</a:t>
             </a:r>
           </a:p>
           <a:p>
             <a:pPr lvl="1"/>
             <a:r>
-              <a:rPr lang="en-US" smtClean="0"/>
+              <a:rPr lang="en-US"/>
               <a:t>Second level</a:t>
             </a:r>
           </a:p>
           <a:p>
             <a:pPr lvl="2"/>
             <a:r>
-              <a:rPr lang="en-US" smtClean="0"/>
+              <a:rPr lang="en-US"/>
               <a:t>Third level</a:t>
             </a:r>
           </a:p>
           <a:p>
             <a:pPr lvl="3"/>
             <a:r>
-              <a:rPr lang="en-US" smtClean="0"/>
+              <a:rPr lang="en-US"/>
               <a:t>Fourth level</a:t>
             </a:r>
           </a:p>
           <a:p>
             <a:pPr lvl="4"/>
             <a:r>
-              <a:rPr lang="en-US" smtClean="0"/>
+              <a:rPr lang="en-US"/>
               <a:t>Fifth level</a:t>
             </a:r>
             <a:endParaRPr lang="en-US" dirty="0"/>
@@ -15562,7 +15523,7 @@
           <a:p>
             <a:pPr lvl="0"/>
             <a:r>
-              <a:rPr lang="en-US" dirty="0" smtClean="0">
+              <a:rPr lang="en-US" dirty="0">
                 <a:latin typeface="+mj-lt"/>
                 <a:cs typeface="Arial" panose="020B0604020202020204" pitchFamily="34" charset="0"/>
               </a:rPr>
@@ -15577,7 +15538,7 @@
               <a:t>‹#›</a:t>
             </a:fld>
             <a:r>
-              <a:rPr lang="en-US" dirty="0" smtClean="0">
+              <a:rPr lang="en-US" dirty="0">
                 <a:latin typeface="+mj-lt"/>
                 <a:cs typeface="Arial" panose="020B0604020202020204" pitchFamily="34" charset="0"/>
               </a:rPr>
@@ -15624,10 +15585,9 @@
           <a:p>
             <a:pPr lvl="0"/>
             <a:r>
-              <a:rPr lang="en-US" dirty="0" smtClean="0"/>
+              <a:rPr lang="en-US" dirty="0"/>
               <a:t>Enter your subtitle here</a:t>
             </a:r>
-            <a:endParaRPr lang="en-US" dirty="0"/>
           </a:p>
         </p:txBody>
       </p:sp>
@@ -22260,7 +22220,7 @@
               <a:defRPr/>
             </a:pPr>
             <a:r>
-              <a:rPr lang="en-US" sz="600" b="0" i="0" dirty="0" smtClean="0">
+              <a:rPr lang="en-US" sz="600" b="0" i="0" dirty="0">
                 <a:solidFill>
                   <a:srgbClr val="7F7F7F"/>
                 </a:solidFill>
@@ -22282,21 +22242,6 @@
   <p:clrMapOvr>
     <a:overrideClrMapping bg1="lt1" tx1="dk1" bg2="lt2" tx2="dk2" accent1="accent1" accent2="accent2" accent3="accent3" accent4="accent4" accent5="accent5" accent6="accent6" hlink="hlink" folHlink="folHlink"/>
   </p:clrMapOvr>
-  <mc:AlternateContent xmlns:mc="http://schemas.openxmlformats.org/markup-compatibility/2006" xmlns:p14="http://schemas.microsoft.com/office/powerpoint/2010/main">
-    <mc:Choice Requires="p14">
-      <p:transition p14:dur="0"/>
-    </mc:Choice>
-    <mc:Fallback xmlns="">
-      <p:transition/>
-    </mc:Fallback>
-  </mc:AlternateContent>
-  <p:timing>
-    <p:tnLst>
-      <p:par>
-        <p:cTn id="1" dur="indefinite" restart="never" nodeType="tmRoot"/>
-      </p:par>
-    </p:tnLst>
-  </p:timing>
   <p:hf hdr="0" dt="0"/>
 </p:sldLayout>
 </file>
@@ -22411,10 +22356,9 @@
           </a:lstStyle>
           <a:p>
             <a:r>
-              <a:rPr lang="en-US" dirty="0" smtClean="0"/>
+              <a:rPr lang="en-US" dirty="0"/>
               <a:t>CLICK TO EDIT MASTER TITLE STYLE</a:t>
             </a:r>
-            <a:endParaRPr lang="en-US" dirty="0"/>
           </a:p>
         </p:txBody>
       </p:sp>
@@ -22456,10 +22400,9 @@
           <a:p>
             <a:pPr lvl="0"/>
             <a:r>
-              <a:rPr lang="en-US" dirty="0" smtClean="0"/>
+              <a:rPr lang="en-US" dirty="0"/>
               <a:t>Enter your subtitle here</a:t>
             </a:r>
-            <a:endParaRPr lang="en-US" dirty="0"/>
           </a:p>
         </p:txBody>
       </p:sp>
@@ -22488,7 +22431,6 @@
             <a:tailEnd type="none" w="med" len="med"/>
           </a:ln>
           <a:effectLst/>
-          <a:extLst/>
         </p:spPr>
         <p:txBody>
           <a:bodyPr vert="horz" wrap="square" lIns="91440" tIns="45720" rIns="91440" bIns="45720" numCol="1" rtlCol="0" anchor="ctr" anchorCtr="0" compatLnSpc="1">
@@ -22514,7 +22456,7 @@
               <a:buNone/>
               <a:tabLst/>
             </a:pPr>
-            <a:endParaRPr kumimoji="0" lang="en-US" sz="2000" b="0" i="0" u="none" strike="noStrike" cap="none" normalizeH="0" baseline="0" dirty="0" smtClean="0">
+            <a:endParaRPr kumimoji="0" lang="en-US" sz="2000" b="0" i="0" u="none" strike="noStrike" cap="none" normalizeH="0" baseline="0" dirty="0">
               <a:ln>
                 <a:noFill/>
               </a:ln>
@@ -29121,13 +29063,6 @@
     <a:masterClrMapping/>
   </p:clrMapOvr>
   <p:transition/>
-  <p:timing>
-    <p:tnLst>
-      <p:par>
-        <p:cTn id="1" dur="indefinite" restart="never" nodeType="tmRoot"/>
-      </p:par>
-    </p:tnLst>
-  </p:timing>
 </p:sldLayout>
 </file>
 
@@ -29241,10 +29176,9 @@
           </a:lstStyle>
           <a:p>
             <a:r>
-              <a:rPr lang="en-US" dirty="0" smtClean="0"/>
+              <a:rPr lang="en-US" dirty="0"/>
               <a:t>CLICK TO EDIT MASTER TITLE STYLE</a:t>
             </a:r>
-            <a:endParaRPr lang="en-US" dirty="0"/>
           </a:p>
         </p:txBody>
       </p:sp>
@@ -29286,10 +29220,9 @@
           <a:p>
             <a:pPr lvl="0"/>
             <a:r>
-              <a:rPr lang="en-US" dirty="0" smtClean="0"/>
+              <a:rPr lang="en-US" dirty="0"/>
               <a:t>Enter your subtitle here</a:t>
             </a:r>
-            <a:endParaRPr lang="en-US" dirty="0"/>
           </a:p>
         </p:txBody>
       </p:sp>
@@ -29318,7 +29251,6 @@
             <a:tailEnd type="none" w="med" len="med"/>
           </a:ln>
           <a:effectLst/>
-          <a:extLst/>
         </p:spPr>
         <p:txBody>
           <a:bodyPr vert="horz" wrap="square" lIns="91440" tIns="45720" rIns="91440" bIns="45720" numCol="1" rtlCol="0" anchor="t" anchorCtr="0" compatLnSpc="1">
@@ -29344,7 +29276,7 @@
               <a:buNone/>
               <a:tabLst/>
             </a:pPr>
-            <a:endParaRPr kumimoji="0" lang="en-US" sz="3400" b="0" i="0" u="none" strike="noStrike" cap="none" normalizeH="0" baseline="0" dirty="0" smtClean="0">
+            <a:endParaRPr kumimoji="0" lang="en-US" sz="3400" b="0" i="0" u="none" strike="noStrike" cap="none" normalizeH="0" baseline="0" dirty="0">
               <a:ln>
                 <a:noFill/>
               </a:ln>
@@ -29385,7 +29317,6 @@
             <a:tailEnd type="none" w="med" len="med"/>
           </a:ln>
           <a:effectLst/>
-          <a:extLst/>
         </p:spPr>
         <p:txBody>
           <a:bodyPr vert="horz" wrap="square" lIns="91440" tIns="45720" rIns="91440" bIns="45720" numCol="1" rtlCol="0" anchor="ctr" anchorCtr="0" compatLnSpc="1">
@@ -29411,7 +29342,7 @@
               <a:buNone/>
               <a:tabLst/>
             </a:pPr>
-            <a:endParaRPr kumimoji="0" lang="en-US" sz="2000" b="0" i="0" u="none" strike="noStrike" cap="none" normalizeH="0" baseline="0" dirty="0" smtClean="0">
+            <a:endParaRPr kumimoji="0" lang="en-US" sz="2000" b="0" i="0" u="none" strike="noStrike" cap="none" normalizeH="0" baseline="0" dirty="0">
               <a:ln>
                 <a:noFill/>
               </a:ln>
@@ -36055,7 +35986,7 @@
               <a:defRPr/>
             </a:pPr>
             <a:r>
-              <a:rPr lang="en-US" sz="600" b="0" i="0" dirty="0" smtClean="0">
+              <a:rPr lang="en-US" sz="600" b="0" i="0" dirty="0">
                 <a:solidFill>
                   <a:srgbClr val="FFFFFF"/>
                 </a:solidFill>
@@ -36078,13 +36009,6 @@
     <a:masterClrMapping/>
   </p:clrMapOvr>
   <p:transition/>
-  <p:timing>
-    <p:tnLst>
-      <p:par>
-        <p:cTn id="1" dur="indefinite" restart="never" nodeType="tmRoot"/>
-      </p:par>
-    </p:tnLst>
-  </p:timing>
 </p:sldLayout>
 </file>
 
@@ -36138,7 +36062,7 @@
           </a:lstStyle>
           <a:p>
             <a:r>
-              <a:rPr lang="en-US" smtClean="0"/>
+              <a:rPr lang="en-US"/>
               <a:t>Click to edit Master title style</a:t>
             </a:r>
             <a:endParaRPr lang="en-US" dirty="0"/>
@@ -36193,35 +36117,35 @@
           <a:p>
             <a:pPr lvl="0"/>
             <a:r>
-              <a:rPr lang="en-US" smtClean="0"/>
+              <a:rPr lang="en-US"/>
               <a:t>Click to edit Master text styles</a:t>
             </a:r>
           </a:p>
           <a:p>
             <a:pPr lvl="1"/>
             <a:r>
-              <a:rPr lang="en-US" smtClean="0"/>
+              <a:rPr lang="en-US"/>
               <a:t>Second level</a:t>
             </a:r>
           </a:p>
           <a:p>
             <a:pPr lvl="2"/>
             <a:r>
-              <a:rPr lang="en-US" smtClean="0"/>
+              <a:rPr lang="en-US"/>
               <a:t>Third level</a:t>
             </a:r>
           </a:p>
           <a:p>
             <a:pPr lvl="3"/>
             <a:r>
-              <a:rPr lang="en-US" smtClean="0"/>
+              <a:rPr lang="en-US"/>
               <a:t>Fourth level</a:t>
             </a:r>
           </a:p>
           <a:p>
             <a:pPr lvl="4"/>
             <a:r>
-              <a:rPr lang="en-US" smtClean="0"/>
+              <a:rPr lang="en-US"/>
               <a:t>Fifth level</a:t>
             </a:r>
             <a:endParaRPr lang="en-US" dirty="0"/>
@@ -36266,10 +36190,9 @@
           <a:p>
             <a:pPr lvl="0"/>
             <a:r>
-              <a:rPr lang="en-US" dirty="0" smtClean="0"/>
+              <a:rPr lang="en-US" dirty="0"/>
               <a:t>Enter your subtitle here</a:t>
             </a:r>
-            <a:endParaRPr lang="en-US" dirty="0"/>
           </a:p>
         </p:txBody>
       </p:sp>
@@ -36283,21 +36206,6 @@
   <p:clrMapOvr>
     <a:masterClrMapping/>
   </p:clrMapOvr>
-  <mc:AlternateContent xmlns:mc="http://schemas.openxmlformats.org/markup-compatibility/2006" xmlns:p14="http://schemas.microsoft.com/office/powerpoint/2010/main">
-    <mc:Choice Requires="p14">
-      <p:transition p14:dur="0"/>
-    </mc:Choice>
-    <mc:Fallback xmlns="">
-      <p:transition/>
-    </mc:Fallback>
-  </mc:AlternateContent>
-  <p:timing>
-    <p:tnLst>
-      <p:par>
-        <p:cTn id="1" dur="indefinite" restart="never" nodeType="tmRoot"/>
-      </p:par>
-    </p:tnLst>
-  </p:timing>
 </p:sldLayout>
 </file>
 
@@ -36350,7 +36258,7 @@
           </a:lstStyle>
           <a:p>
             <a:r>
-              <a:rPr lang="en-US" smtClean="0"/>
+              <a:rPr lang="en-US"/>
               <a:t>Click to edit Master title style</a:t>
             </a:r>
             <a:endParaRPr lang="en-US" dirty="0"/>
@@ -36395,10 +36303,9 @@
           <a:p>
             <a:pPr lvl="0"/>
             <a:r>
-              <a:rPr lang="en-US" dirty="0" smtClean="0"/>
+              <a:rPr lang="en-US" dirty="0"/>
               <a:t>Enter your subtitle here</a:t>
             </a:r>
-            <a:endParaRPr lang="en-US" dirty="0"/>
           </a:p>
         </p:txBody>
       </p:sp>
@@ -36412,21 +36319,6 @@
   <p:clrMapOvr>
     <a:masterClrMapping/>
   </p:clrMapOvr>
-  <mc:AlternateContent xmlns:mc="http://schemas.openxmlformats.org/markup-compatibility/2006" xmlns:p14="http://schemas.microsoft.com/office/powerpoint/2010/main">
-    <mc:Choice Requires="p14">
-      <p:transition p14:dur="0"/>
-    </mc:Choice>
-    <mc:Fallback xmlns="">
-      <p:transition/>
-    </mc:Fallback>
-  </mc:AlternateContent>
-  <p:timing>
-    <p:tnLst>
-      <p:par>
-        <p:cTn id="1" dur="indefinite" restart="never" nodeType="tmRoot"/>
-      </p:par>
-    </p:tnLst>
-  </p:timing>
   <p:hf hdr="0"/>
 </p:sldLayout>
 </file>
@@ -36458,21 +36350,6 @@
   <p:clrMapOvr>
     <a:masterClrMapping/>
   </p:clrMapOvr>
-  <mc:AlternateContent xmlns:mc="http://schemas.openxmlformats.org/markup-compatibility/2006" xmlns:p14="http://schemas.microsoft.com/office/powerpoint/2010/main">
-    <mc:Choice Requires="p14">
-      <p:transition p14:dur="0"/>
-    </mc:Choice>
-    <mc:Fallback xmlns="">
-      <p:transition/>
-    </mc:Fallback>
-  </mc:AlternateContent>
-  <p:timing>
-    <p:tnLst>
-      <p:par>
-        <p:cTn id="1" dur="indefinite" restart="never" nodeType="tmRoot"/>
-      </p:par>
-    </p:tnLst>
-  </p:timing>
   <p:hf hdr="0" dt="0"/>
 </p:sldLayout>
 </file>
@@ -36586,10 +36463,9 @@
           <a:p>
             <a:pPr lvl="0"/>
             <a:r>
-              <a:rPr lang="en-US" dirty="0" smtClean="0"/>
+              <a:rPr lang="en-US" dirty="0"/>
               <a:t>Enter your subtitle here</a:t>
             </a:r>
-            <a:endParaRPr lang="en-US" dirty="0"/>
           </a:p>
         </p:txBody>
       </p:sp>
@@ -36628,7 +36504,7 @@
           </a:lstStyle>
           <a:p>
             <a:r>
-              <a:rPr lang="en-US" smtClean="0"/>
+              <a:rPr lang="en-US"/>
               <a:t>Click to edit Master title style</a:t>
             </a:r>
             <a:endParaRPr lang="en-US" dirty="0"/>
@@ -36645,21 +36521,6 @@
   <p:clrMapOvr>
     <a:masterClrMapping/>
   </p:clrMapOvr>
-  <mc:AlternateContent xmlns:mc="http://schemas.openxmlformats.org/markup-compatibility/2006" xmlns:p14="http://schemas.microsoft.com/office/powerpoint/2010/main">
-    <mc:Choice Requires="p14">
-      <p:transition p14:dur="0"/>
-    </mc:Choice>
-    <mc:Fallback xmlns="">
-      <p:transition/>
-    </mc:Fallback>
-  </mc:AlternateContent>
-  <p:timing>
-    <p:tnLst>
-      <p:par>
-        <p:cTn id="1" dur="indefinite" restart="never" nodeType="tmRoot"/>
-      </p:par>
-    </p:tnLst>
-  </p:timing>
   <p:hf hdr="0" dt="0"/>
 </p:sldLayout>
 </file>
@@ -36770,7 +36631,7 @@
           </a:lstStyle>
           <a:p>
             <a:r>
-              <a:rPr lang="en-US" smtClean="0"/>
+              <a:rPr lang="en-US"/>
               <a:t>Click to edit Master title style</a:t>
             </a:r>
             <a:endParaRPr lang="en-US" dirty="0"/>
@@ -36815,10 +36676,9 @@
           <a:p>
             <a:pPr lvl="0"/>
             <a:r>
-              <a:rPr lang="en-US" dirty="0" smtClean="0"/>
+              <a:rPr lang="en-US" dirty="0"/>
               <a:t>Enter your subtitle here</a:t>
             </a:r>
-            <a:endParaRPr lang="en-US" dirty="0"/>
           </a:p>
         </p:txBody>
       </p:sp>
@@ -36832,21 +36692,6 @@
   <p:clrMapOvr>
     <a:masterClrMapping/>
   </p:clrMapOvr>
-  <mc:AlternateContent xmlns:mc="http://schemas.openxmlformats.org/markup-compatibility/2006" xmlns:p14="http://schemas.microsoft.com/office/powerpoint/2010/main">
-    <mc:Choice Requires="p14">
-      <p:transition p14:dur="0"/>
-    </mc:Choice>
-    <mc:Fallback xmlns="">
-      <p:transition/>
-    </mc:Fallback>
-  </mc:AlternateContent>
-  <p:timing>
-    <p:tnLst>
-      <p:par>
-        <p:cTn id="1" dur="indefinite" restart="never" nodeType="tmRoot"/>
-      </p:par>
-    </p:tnLst>
-  </p:timing>
   <p:hf hdr="0" dt="0"/>
 </p:sldLayout>
 </file>
@@ -36903,35 +36748,35 @@
           <a:p>
             <a:pPr lvl="0"/>
             <a:r>
-              <a:rPr lang="en-US" smtClean="0"/>
+              <a:rPr lang="en-US"/>
               <a:t>Click to edit Master text styles</a:t>
             </a:r>
           </a:p>
           <a:p>
             <a:pPr lvl="1"/>
             <a:r>
-              <a:rPr lang="en-US" smtClean="0"/>
+              <a:rPr lang="en-US"/>
               <a:t>Second level</a:t>
             </a:r>
           </a:p>
           <a:p>
             <a:pPr lvl="2"/>
             <a:r>
-              <a:rPr lang="en-US" smtClean="0"/>
+              <a:rPr lang="en-US"/>
               <a:t>Third level</a:t>
             </a:r>
           </a:p>
           <a:p>
             <a:pPr lvl="3"/>
             <a:r>
-              <a:rPr lang="en-US" smtClean="0"/>
+              <a:rPr lang="en-US"/>
               <a:t>Fourth level</a:t>
             </a:r>
           </a:p>
           <a:p>
             <a:pPr lvl="4"/>
             <a:r>
-              <a:rPr lang="en-US" smtClean="0"/>
+              <a:rPr lang="en-US"/>
               <a:t>Fifth level</a:t>
             </a:r>
             <a:endParaRPr lang="en-US" dirty="0"/>
@@ -36964,7 +36809,7 @@
           <a:lstStyle/>
           <a:p>
             <a:r>
-              <a:rPr lang="en-US" smtClean="0"/>
+              <a:rPr lang="en-US"/>
               <a:t>Click to edit Master title style</a:t>
             </a:r>
             <a:endParaRPr lang="en-US" dirty="0"/>
@@ -37019,7 +36864,7 @@
               <a:defRPr/>
             </a:pPr>
             <a:r>
-              <a:rPr lang="en-US" sz="600" b="0" i="0" dirty="0" smtClean="0">
+              <a:rPr lang="en-US" sz="600" b="0" i="0" dirty="0">
                 <a:solidFill>
                   <a:srgbClr val="7F7F7F"/>
                 </a:solidFill>
@@ -37088,7 +36933,7 @@
           <a:p>
             <a:pPr lvl="0"/>
             <a:r>
-              <a:rPr lang="en-US" dirty="0" smtClean="0">
+              <a:rPr lang="en-US" dirty="0">
                 <a:latin typeface="+mj-lt"/>
                 <a:cs typeface="Arial" panose="020B0604020202020204" pitchFamily="34" charset="0"/>
               </a:rPr>
@@ -37103,7 +36948,7 @@
               <a:t>‹#›</a:t>
             </a:fld>
             <a:r>
-              <a:rPr lang="en-US" dirty="0" smtClean="0">
+              <a:rPr lang="en-US" dirty="0">
                 <a:latin typeface="+mj-lt"/>
                 <a:cs typeface="Arial" panose="020B0604020202020204" pitchFamily="34" charset="0"/>
               </a:rPr>
@@ -43724,21 +43569,6 @@
     <p:sldLayoutId id="2147483808" r:id="rId10"/>
     <p:sldLayoutId id="2147483809" r:id="rId11"/>
   </p:sldLayoutIdLst>
-  <mc:AlternateContent xmlns:mc="http://schemas.openxmlformats.org/markup-compatibility/2006" xmlns:p14="http://schemas.microsoft.com/office/powerpoint/2010/main">
-    <mc:Choice Requires="p14">
-      <p:transition p14:dur="0"/>
-    </mc:Choice>
-    <mc:Fallback xmlns="">
-      <p:transition/>
-    </mc:Fallback>
-  </mc:AlternateContent>
-  <p:timing>
-    <p:tnLst>
-      <p:par>
-        <p:cTn id="1" dur="indefinite" restart="never" nodeType="tmRoot"/>
-      </p:par>
-    </p:tnLst>
-  </p:timing>
   <p:hf hdr="0" dt="0"/>
   <p:txStyles>
     <p:titleStyle>
@@ -44236,7 +44066,7 @@
           <a:lstStyle/>
           <a:p>
             <a:r>
-              <a:rPr lang="en-US" sz="2800" i="1" dirty="0" smtClean="0">
+              <a:rPr lang="en-US" sz="2800" i="1" dirty="0">
                 <a:solidFill>
                   <a:schemeClr val="accent1"/>
                 </a:solidFill>
@@ -44270,12 +44100,8 @@
           <a:lstStyle/>
           <a:p>
             <a:pPr algn="ctr"/>
-            <a:r>
-              <a:rPr lang="en-US" sz="4000" dirty="0" smtClean="0"/>
-              <a:t/>
-            </a:r>
             <a:br>
-              <a:rPr lang="en-US" sz="4000" dirty="0" smtClean="0"/>
+              <a:rPr lang="en-US" sz="4000" dirty="0"/>
             </a:br>
             <a:endParaRPr lang="en-US" sz="4000" dirty="0"/>
           </a:p>
@@ -44304,7 +44130,7 @@
           <a:lstStyle/>
           <a:p>
             <a:r>
-              <a:rPr lang="en-US" altLang="zh-CN" dirty="0" smtClean="0">
+              <a:rPr lang="en-US" altLang="zh-CN" dirty="0">
                 <a:solidFill>
                   <a:schemeClr val="bg1"/>
                 </a:solidFill>
@@ -44342,7 +44168,7 @@
           <a:lstStyle/>
           <a:p>
             <a:r>
-              <a:rPr lang="en-US" altLang="zh-CN" sz="1400" i="1" dirty="0" smtClean="0">
+              <a:rPr lang="en-US" altLang="zh-CN" sz="1400" i="1" dirty="0">
                 <a:solidFill>
                   <a:schemeClr val="bg1"/>
                 </a:solidFill>
@@ -44375,13 +44201,6 @@
       <p:transition/>
     </mc:Fallback>
   </mc:AlternateContent>
-  <p:timing>
-    <p:tnLst>
-      <p:par>
-        <p:cTn id="1" dur="indefinite" restart="never" nodeType="tmRoot"/>
-      </p:par>
-    </p:tnLst>
-  </p:timing>
 </p:sld>
 </file>
 
@@ -44467,10 +44286,9 @@
           <a:lstStyle/>
           <a:p>
             <a:r>
-              <a:rPr lang="en-US" dirty="0" smtClean="0"/>
+              <a:rPr lang="en-US" dirty="0"/>
               <a:t>CMD – Launch EIT2 suites in console</a:t>
             </a:r>
-            <a:endParaRPr lang="en-US" dirty="0"/>
           </a:p>
         </p:txBody>
       </p:sp>
@@ -44496,80 +44314,66 @@
           <a:lstStyle/>
           <a:p>
             <a:r>
-              <a:rPr lang="en-US" altLang="zh-CN" b="1" dirty="0" smtClean="0"/>
+              <a:rPr lang="en-US" altLang="zh-CN" b="1" dirty="0"/>
               <a:t>Environment setting:</a:t>
             </a:r>
           </a:p>
           <a:p>
             <a:r>
-              <a:rPr lang="en-US" altLang="zh-CN" sz="1600" dirty="0" smtClean="0"/>
-              <a:t>set EXTERNAL_RADIANT_PATH=C</a:t>
-            </a:r>
-            <a:r>
               <a:rPr lang="en-US" altLang="zh-CN" sz="1600" dirty="0"/>
-              <a:t>:/</a:t>
-            </a:r>
-            <a:r>
-              <a:rPr lang="en-US" altLang="zh-CN" sz="1600" dirty="0" smtClean="0"/>
-              <a:t>lscc/radiant/1.2</a:t>
+              <a:t>set EXTERNAL_RADIANT_PATH=C:/lscc/radiant/1.2</a:t>
             </a:r>
           </a:p>
           <a:p>
             <a:r>
-              <a:rPr lang="en-US" altLang="zh-CN" sz="1600" dirty="0" smtClean="0"/>
+              <a:rPr lang="en-US" altLang="zh-CN" sz="1600" dirty="0"/>
               <a:t>or</a:t>
             </a:r>
           </a:p>
           <a:p>
             <a:r>
-              <a:rPr lang="en-US" altLang="zh-CN" sz="1600" dirty="0" smtClean="0"/>
+              <a:rPr lang="en-US" altLang="zh-CN" sz="1600" dirty="0"/>
               <a:t>set ENV=/home/</a:t>
             </a:r>
             <a:r>
-              <a:rPr lang="en-US" altLang="zh-CN" sz="1600" dirty="0" err="1" smtClean="0"/>
+              <a:rPr lang="en-US" altLang="zh-CN" sz="1600" dirty="0" err="1"/>
               <a:t>rel</a:t>
             </a:r>
             <a:r>
-              <a:rPr lang="en-US" altLang="zh-CN" sz="1600" dirty="0" smtClean="0"/>
+              <a:rPr lang="en-US" altLang="zh-CN" sz="1600" dirty="0"/>
               <a:t>/ng1_1p.96/</a:t>
             </a:r>
             <a:r>
-              <a:rPr lang="en-US" altLang="zh-CN" sz="1600" dirty="0" err="1" smtClean="0"/>
+              <a:rPr lang="en-US" altLang="zh-CN" sz="1600" dirty="0" err="1"/>
               <a:t>env</a:t>
-            </a:r>
-            <a:endParaRPr lang="en-US" altLang="zh-CN" sz="1600" dirty="0" smtClean="0"/>
-          </a:p>
-          <a:p>
-            <a:r>
-              <a:rPr lang="en-US" altLang="zh-CN" sz="1600" dirty="0" smtClean="0"/>
-              <a:t>set RTF=/home/</a:t>
-            </a:r>
-            <a:r>
-              <a:rPr lang="en-US" altLang="zh-CN" sz="1600" dirty="0" err="1" smtClean="0"/>
-              <a:t>rel</a:t>
-            </a:r>
-            <a:r>
-              <a:rPr lang="en-US" altLang="zh-CN" sz="1600" dirty="0" smtClean="0"/>
-              <a:t>/ng1_1p.96/rtf</a:t>
-            </a:r>
-          </a:p>
-          <a:p>
-            <a:r>
-              <a:rPr lang="en-US" altLang="zh-CN" sz="1600" dirty="0" smtClean="0"/>
-              <a:t>and</a:t>
             </a:r>
             <a:endParaRPr lang="en-US" altLang="zh-CN" sz="1600" dirty="0"/>
           </a:p>
           <a:p>
             <a:r>
               <a:rPr lang="en-US" altLang="zh-CN" sz="1600" dirty="0"/>
-              <a:t>Set EXTERNAL_SQUISH_PATH= D</a:t>
+              <a:t>set RTF=/home/</a:t>
             </a:r>
             <a:r>
-              <a:rPr lang="en-US" altLang="zh-CN" sz="1600" dirty="0" smtClean="0"/>
-              <a:t>:/software/Squish</a:t>
+              <a:rPr lang="en-US" altLang="zh-CN" sz="1600" dirty="0" err="1"/>
+              <a:t>rel</a:t>
             </a:r>
-            <a:endParaRPr lang="en-US" altLang="zh-CN" sz="1600" dirty="0"/>
+            <a:r>
+              <a:rPr lang="en-US" altLang="zh-CN" sz="1600" dirty="0"/>
+              <a:t>/ng1_1p.96/rtf</a:t>
+            </a:r>
+          </a:p>
+          <a:p>
+            <a:r>
+              <a:rPr lang="en-US" altLang="zh-CN" sz="1600" dirty="0"/>
+              <a:t>and</a:t>
+            </a:r>
+          </a:p>
+          <a:p>
+            <a:r>
+              <a:rPr lang="en-US" altLang="zh-CN" sz="1600" dirty="0"/>
+              <a:t>Set EXTERNAL_SQUISH_PATH= D:/software/Squish</a:t>
+            </a:r>
           </a:p>
           <a:p>
             <a:endParaRPr lang="en-US" altLang="zh-CN" dirty="0"/>
@@ -44577,22 +44381,14 @@
           <a:p>
             <a:r>
               <a:rPr lang="en-US" altLang="zh-CN" b="1" dirty="0"/>
-              <a:t>Launch Command</a:t>
-            </a:r>
-            <a:r>
-              <a:rPr lang="en-US" altLang="zh-CN" b="1" dirty="0" smtClean="0"/>
-              <a:t>:</a:t>
+              <a:t>Launch Command:</a:t>
             </a:r>
             <a:endParaRPr lang="en-US" altLang="zh-CN" dirty="0"/>
           </a:p>
           <a:p>
             <a:r>
-              <a:rPr lang="en-US" altLang="zh-CN" dirty="0" smtClean="0"/>
-              <a:t>clientc.exe </a:t>
-            </a:r>
-            <a:r>
               <a:rPr lang="en-US" altLang="zh-CN" dirty="0"/>
-              <a:t>-c -l -</a:t>
+              <a:t>clientc.exe -c -l -</a:t>
             </a:r>
             <a:r>
               <a:rPr lang="en-US" altLang="zh-CN" dirty="0" err="1"/>
@@ -44603,31 +44399,18 @@
               <a:t> software -f $</a:t>
             </a:r>
             <a:r>
-              <a:rPr lang="en-US" altLang="zh-CN" dirty="0" err="1" smtClean="0"/>
+              <a:rPr lang="en-US" altLang="zh-CN" dirty="0" err="1"/>
               <a:t>unit_path</a:t>
             </a:r>
             <a:r>
-              <a:rPr lang="en-US" altLang="zh-CN" dirty="0" smtClean="0"/>
+              <a:rPr lang="en-US" altLang="zh-CN" dirty="0"/>
               <a:t>/others/pn_20_project_navigator.xlsx </a:t>
             </a:r>
-            <a:endParaRPr lang="en-US" altLang="zh-CN" dirty="0" smtClean="0"/>
           </a:p>
           <a:p>
             <a:r>
               <a:rPr lang="en-US" altLang="zh-CN" dirty="0"/>
-              <a:t>	</a:t>
-            </a:r>
-            <a:r>
-              <a:rPr lang="en-US" altLang="zh-CN" dirty="0" smtClean="0"/>
-              <a:t>*[-w &lt;your prefer </a:t>
-            </a:r>
-            <a:r>
-              <a:rPr lang="en-US" altLang="zh-CN" dirty="0"/>
-              <a:t>path</a:t>
-            </a:r>
-            <a:r>
-              <a:rPr lang="en-US" altLang="zh-CN" dirty="0" smtClean="0"/>
-              <a:t>&gt;]</a:t>
+              <a:t>	*[-w &lt;your prefer path&gt;]</a:t>
             </a:r>
           </a:p>
           <a:p>
@@ -44636,7 +44419,7 @@
               <a:buChar char="•"/>
             </a:pPr>
             <a:r>
-              <a:rPr lang="en-US" altLang="zh-CN" sz="1600" dirty="0" smtClean="0"/>
+              <a:rPr lang="en-US" altLang="zh-CN" sz="1600" dirty="0"/>
               <a:t>*:Just for first time launch</a:t>
             </a:r>
           </a:p>
@@ -44646,15 +44429,15 @@
               <a:buChar char="•"/>
             </a:pPr>
             <a:r>
-              <a:rPr lang="en-US" altLang="zh-CN" sz="1600" dirty="0" smtClean="0"/>
+              <a:rPr lang="en-US" altLang="zh-CN" sz="1600" dirty="0"/>
               <a:t>Use \$</a:t>
             </a:r>
             <a:r>
-              <a:rPr lang="en-US" altLang="zh-CN" sz="1600" dirty="0" err="1" smtClean="0"/>
+              <a:rPr lang="en-US" altLang="zh-CN" sz="1600" dirty="0" err="1"/>
               <a:t>unit_path</a:t>
             </a:r>
             <a:r>
-              <a:rPr lang="en-US" altLang="zh-CN" sz="1600" dirty="0" smtClean="0"/>
+              <a:rPr lang="en-US" altLang="zh-CN" sz="1600" dirty="0"/>
               <a:t> in Linux</a:t>
             </a:r>
           </a:p>
@@ -44664,7 +44447,7 @@
               <a:buChar char="•"/>
             </a:pPr>
             <a:r>
-              <a:rPr lang="en-US" altLang="zh-CN" sz="1600" dirty="0" smtClean="0"/>
+              <a:rPr lang="en-US" altLang="zh-CN" sz="1600" dirty="0"/>
               <a:t>-e &lt;env1=value1, env2=value2&gt;, to add environment in command line</a:t>
             </a:r>
           </a:p>
@@ -44674,7 +44457,7 @@
               <a:buChar char="•"/>
             </a:pPr>
             <a:r>
-              <a:rPr lang="en-US" altLang="zh-CN" sz="1600" dirty="0" smtClean="0"/>
+              <a:rPr lang="en-US" altLang="zh-CN" sz="1600" dirty="0"/>
               <a:t>-w work space, where to run your cases, it’s better to assign a place with 5g+ space</a:t>
             </a:r>
             <a:endParaRPr lang="zh-CN" altLang="en-US" sz="1600" dirty="0"/>
@@ -44691,13 +44474,6 @@
   <p:clrMapOvr>
     <a:masterClrMapping/>
   </p:clrMapOvr>
-  <p:timing>
-    <p:tnLst>
-      <p:par>
-        <p:cTn id="1" dur="indefinite" restart="never" nodeType="tmRoot"/>
-      </p:par>
-    </p:tnLst>
-  </p:timing>
 </p:sld>
 </file>
 
@@ -44847,14 +44623,13 @@
           <a:lstStyle/>
           <a:p>
             <a:r>
-              <a:rPr lang="en-US" altLang="zh-CN" dirty="0" smtClean="0"/>
+              <a:rPr lang="en-US" altLang="zh-CN" dirty="0"/>
               <a:t>CMD </a:t>
             </a:r>
             <a:r>
-              <a:rPr lang="en-US" dirty="0" smtClean="0"/>
+              <a:rPr lang="en-US" dirty="0"/>
               <a:t>– suite run in console</a:t>
             </a:r>
-            <a:endParaRPr lang="en-US" dirty="0"/>
           </a:p>
         </p:txBody>
       </p:sp>
@@ -44903,7 +44678,6 @@
             <a:headEnd type="none" w="med" len="med"/>
             <a:tailEnd type="none" w="med" len="med"/>
           </a:ln>
-          <a:extLst/>
         </p:spPr>
         <p:style>
           <a:lnRef idx="2">
@@ -44944,7 +44718,7 @@
               <a:tabLst/>
             </a:pPr>
             <a:r>
-              <a:rPr kumimoji="0" lang="en-US" altLang="zh-CN" b="0" i="0" u="none" strike="noStrike" cap="none" normalizeH="0" baseline="0" dirty="0" smtClean="0">
+              <a:rPr kumimoji="0" lang="en-US" altLang="zh-CN" b="0" i="0" u="none" strike="noStrike" cap="none" normalizeH="0" baseline="0" dirty="0">
                 <a:ln>
                   <a:noFill/>
                 </a:ln>
@@ -44958,7 +44732,7 @@
               </a:rPr>
               <a:t>Report Path</a:t>
             </a:r>
-            <a:endParaRPr kumimoji="0" lang="zh-CN" altLang="en-US" b="0" i="0" u="none" strike="noStrike" cap="none" normalizeH="0" baseline="0" dirty="0" smtClean="0">
+            <a:endParaRPr kumimoji="0" lang="zh-CN" altLang="en-US" b="0" i="0" u="none" strike="noStrike" cap="none" normalizeH="0" baseline="0" dirty="0">
               <a:ln>
                 <a:noFill/>
               </a:ln>
@@ -44994,7 +44768,6 @@
             <a:headEnd type="none" w="med" len="med"/>
             <a:tailEnd type="none" w="med" len="med"/>
           </a:ln>
-          <a:extLst/>
         </p:spPr>
         <p:style>
           <a:lnRef idx="2">
@@ -45035,7 +44808,7 @@
               <a:tabLst/>
             </a:pPr>
             <a:r>
-              <a:rPr lang="en-US" altLang="zh-CN" dirty="0" smtClean="0">
+              <a:rPr lang="en-US" altLang="zh-CN" dirty="0">
                 <a:solidFill>
                   <a:srgbClr val="000000"/>
                 </a:solidFill>
@@ -45045,7 +44818,7 @@
               </a:rPr>
               <a:t>Summary</a:t>
             </a:r>
-            <a:endParaRPr kumimoji="0" lang="zh-CN" altLang="en-US" b="0" i="0" u="none" strike="noStrike" cap="none" normalizeH="0" baseline="0" dirty="0" smtClean="0">
+            <a:endParaRPr kumimoji="0" lang="zh-CN" altLang="en-US" b="0" i="0" u="none" strike="noStrike" cap="none" normalizeH="0" baseline="0" dirty="0">
               <a:ln>
                 <a:noFill/>
               </a:ln>
@@ -45081,7 +44854,6 @@
             <a:headEnd type="none" w="med" len="med"/>
             <a:tailEnd type="none" w="med" len="med"/>
           </a:ln>
-          <a:extLst/>
         </p:spPr>
         <p:style>
           <a:lnRef idx="2">
@@ -45122,7 +44894,7 @@
               <a:tabLst/>
             </a:pPr>
             <a:r>
-              <a:rPr lang="en-US" altLang="zh-CN" dirty="0" smtClean="0">
+              <a:rPr lang="en-US" altLang="zh-CN" dirty="0">
                 <a:solidFill>
                   <a:srgbClr val="000000"/>
                 </a:solidFill>
@@ -45132,7 +44904,7 @@
               </a:rPr>
               <a:t>Final Result</a:t>
             </a:r>
-            <a:endParaRPr kumimoji="0" lang="zh-CN" altLang="en-US" b="0" i="0" u="none" strike="noStrike" cap="none" normalizeH="0" baseline="0" dirty="0" smtClean="0">
+            <a:endParaRPr kumimoji="0" lang="zh-CN" altLang="en-US" b="0" i="0" u="none" strike="noStrike" cap="none" normalizeH="0" baseline="0" dirty="0">
               <a:ln>
                 <a:noFill/>
               </a:ln>
@@ -45169,7 +44941,7 @@
           <a:lstStyle/>
           <a:p>
             <a:r>
-              <a:rPr lang="en-US" altLang="zh-CN" dirty="0" smtClean="0"/>
+              <a:rPr lang="en-US" altLang="zh-CN" dirty="0"/>
               <a:t>File opened with report path:</a:t>
             </a:r>
             <a:endParaRPr lang="zh-CN" altLang="en-US" dirty="0"/>
@@ -45197,7 +44969,6 @@
             <a:headEnd type="none" w="med" len="med"/>
             <a:tailEnd type="none" w="med" len="med"/>
           </a:ln>
-          <a:extLst/>
         </p:spPr>
         <p:style>
           <a:lnRef idx="2">
@@ -45238,7 +45009,7 @@
               <a:tabLst/>
             </a:pPr>
             <a:r>
-              <a:rPr lang="en-US" altLang="zh-CN" dirty="0" smtClean="0">
+              <a:rPr lang="en-US" altLang="zh-CN" dirty="0">
                 <a:solidFill>
                   <a:srgbClr val="000000"/>
                 </a:solidFill>
@@ -45248,7 +45019,7 @@
               </a:rPr>
               <a:t>Run ID</a:t>
             </a:r>
-            <a:endParaRPr kumimoji="0" lang="zh-CN" altLang="en-US" b="0" i="0" u="none" strike="noStrike" cap="none" normalizeH="0" baseline="0" dirty="0" smtClean="0">
+            <a:endParaRPr kumimoji="0" lang="zh-CN" altLang="en-US" b="0" i="0" u="none" strike="noStrike" cap="none" normalizeH="0" baseline="0" dirty="0">
               <a:ln>
                 <a:noFill/>
               </a:ln>
@@ -45273,13 +45044,6 @@
   <p:clrMapOvr>
     <a:masterClrMapping/>
   </p:clrMapOvr>
-  <p:timing>
-    <p:tnLst>
-      <p:par>
-        <p:cTn id="1" dur="indefinite" restart="never" nodeType="tmRoot"/>
-      </p:par>
-    </p:tnLst>
-  </p:timing>
 </p:sld>
 </file>
 
@@ -45366,13 +45130,8 @@
           <a:p>
             <a:r>
               <a:rPr lang="en-US" dirty="0"/>
-              <a:t>Result </a:t>
+              <a:t>Result check – Filed case check steps</a:t>
             </a:r>
-            <a:r>
-              <a:rPr lang="en-US" dirty="0" smtClean="0"/>
-              <a:t>check – Filed case check steps</a:t>
-            </a:r>
-            <a:endParaRPr lang="en-US" dirty="0"/>
           </a:p>
         </p:txBody>
       </p:sp>
@@ -45397,7 +45156,7 @@
           </a:bodyPr>
           <a:lstStyle/>
           <a:p>
-            <a:endParaRPr lang="en-US" altLang="zh-CN" sz="1400" dirty="0" smtClean="0"/>
+            <a:endParaRPr lang="en-US" altLang="zh-CN" sz="1400" dirty="0"/>
           </a:p>
           <a:p>
             <a:endParaRPr lang="en-US" altLang="zh-CN" sz="1400" dirty="0"/>
@@ -45456,7 +45215,7 @@
           <a:lstStyle/>
           <a:p>
             <a:r>
-              <a:rPr lang="en-US" altLang="zh-CN" sz="1600" b="1" dirty="0" smtClean="0"/>
+              <a:rPr lang="en-US" altLang="zh-CN" sz="1600" b="1" dirty="0"/>
               <a:t>Steps:</a:t>
             </a:r>
           </a:p>
@@ -45465,7 +45224,7 @@
               <a:buAutoNum type="arabicPeriod"/>
             </a:pPr>
             <a:r>
-              <a:rPr lang="en-US" altLang="zh-CN" sz="1400" dirty="0" smtClean="0"/>
+              <a:rPr lang="en-US" altLang="zh-CN" sz="1400" dirty="0"/>
               <a:t>Open the report file</a:t>
             </a:r>
           </a:p>
@@ -45473,14 +45232,14 @@
             <a:pPr marL="342900" indent="-342900">
               <a:buAutoNum type="arabicPeriod"/>
             </a:pPr>
-            <a:endParaRPr lang="en-US" altLang="zh-CN" sz="1400" dirty="0" smtClean="0"/>
+            <a:endParaRPr lang="en-US" altLang="zh-CN" sz="1400" dirty="0"/>
           </a:p>
           <a:p>
             <a:pPr marL="342900" indent="-342900">
               <a:buAutoNum type="arabicPeriod"/>
             </a:pPr>
             <a:r>
-              <a:rPr lang="en-US" altLang="zh-CN" sz="1400" dirty="0" smtClean="0"/>
+              <a:rPr lang="en-US" altLang="zh-CN" sz="1400" dirty="0"/>
               <a:t>Open failed case directory</a:t>
             </a:r>
           </a:p>
@@ -45488,14 +45247,14 @@
             <a:pPr marL="342900" indent="-342900">
               <a:buAutoNum type="arabicPeriod"/>
             </a:pPr>
-            <a:endParaRPr lang="en-US" altLang="zh-CN" sz="1400" dirty="0" smtClean="0"/>
+            <a:endParaRPr lang="en-US" altLang="zh-CN" sz="1400" dirty="0"/>
           </a:p>
           <a:p>
             <a:pPr marL="342900" indent="-342900">
               <a:buAutoNum type="arabicPeriod"/>
             </a:pPr>
             <a:r>
-              <a:rPr lang="en-US" altLang="zh-CN" sz="1400" dirty="0" smtClean="0"/>
+              <a:rPr lang="en-US" altLang="zh-CN" sz="1400" dirty="0"/>
               <a:t>Open ‘case_report.txt’ to see which check failed</a:t>
             </a:r>
           </a:p>
@@ -45503,22 +45262,22 @@
             <a:pPr marL="342900" indent="-342900">
               <a:buAutoNum type="arabicPeriod"/>
             </a:pPr>
-            <a:endParaRPr lang="en-US" altLang="zh-CN" sz="1400" dirty="0" smtClean="0"/>
+            <a:endParaRPr lang="en-US" altLang="zh-CN" sz="1400" dirty="0"/>
           </a:p>
           <a:p>
             <a:pPr marL="342900" indent="-342900">
               <a:buAutoNum type="arabicPeriod"/>
             </a:pPr>
             <a:r>
-              <a:rPr lang="en-US" altLang="zh-CN" sz="1400" dirty="0" smtClean="0"/>
+              <a:rPr lang="en-US" altLang="zh-CN" sz="1400" dirty="0"/>
               <a:t>Open ‘*.</a:t>
             </a:r>
             <a:r>
-              <a:rPr lang="en-US" altLang="zh-CN" sz="1400" dirty="0" err="1" smtClean="0"/>
+              <a:rPr lang="en-US" altLang="zh-CN" sz="1400" dirty="0" err="1"/>
               <a:t>conf</a:t>
             </a:r>
             <a:r>
-              <a:rPr lang="en-US" altLang="zh-CN" sz="1400" dirty="0" smtClean="0"/>
+              <a:rPr lang="en-US" altLang="zh-CN" sz="1400" dirty="0"/>
               <a:t>’ file in design to see what is the failed check doing</a:t>
             </a:r>
           </a:p>
@@ -45526,14 +45285,14 @@
             <a:pPr marL="342900" indent="-342900">
               <a:buAutoNum type="arabicPeriod"/>
             </a:pPr>
-            <a:endParaRPr lang="en-US" altLang="zh-CN" sz="1400" dirty="0" smtClean="0"/>
+            <a:endParaRPr lang="en-US" altLang="zh-CN" sz="1400" dirty="0"/>
           </a:p>
           <a:p>
             <a:pPr marL="342900" indent="-342900">
               <a:buAutoNum type="arabicPeriod"/>
             </a:pPr>
             <a:r>
-              <a:rPr lang="en-US" altLang="zh-CN" sz="1400" dirty="0" smtClean="0"/>
+              <a:rPr lang="en-US" altLang="zh-CN" sz="1400" dirty="0"/>
               <a:t>Manually check again</a:t>
             </a:r>
           </a:p>
@@ -45591,7 +45350,6 @@
             <a:tailEnd type="none" w="med" len="med"/>
           </a:ln>
           <a:effectLst/>
-          <a:extLst/>
         </p:spPr>
         <p:txBody>
           <a:bodyPr vert="horz" wrap="square" lIns="91440" tIns="45720" rIns="91440" bIns="45720" numCol="1" rtlCol="0" anchor="ctr" anchorCtr="0" compatLnSpc="1">
@@ -45618,7 +45376,7 @@
               <a:tabLst/>
             </a:pPr>
             <a:r>
-              <a:rPr kumimoji="0" lang="en-US" altLang="zh-CN" sz="2000" b="0" i="0" u="none" strike="noStrike" cap="none" normalizeH="0" baseline="0" dirty="0" smtClean="0">
+              <a:rPr kumimoji="0" lang="en-US" altLang="zh-CN" sz="2000" b="0" i="0" u="none" strike="noStrike" cap="none" normalizeH="0" baseline="0" dirty="0">
                 <a:ln>
                   <a:noFill/>
                 </a:ln>
@@ -45632,7 +45390,7 @@
               </a:rPr>
               <a:t>Demo</a:t>
             </a:r>
-            <a:endParaRPr kumimoji="0" lang="zh-CN" altLang="en-US" sz="2000" b="0" i="0" u="none" strike="noStrike" cap="none" normalizeH="0" baseline="0" dirty="0" smtClean="0">
+            <a:endParaRPr kumimoji="0" lang="zh-CN" altLang="en-US" sz="2000" b="0" i="0" u="none" strike="noStrike" cap="none" normalizeH="0" baseline="0" dirty="0">
               <a:ln>
                 <a:noFill/>
               </a:ln>
@@ -45657,13 +45415,6 @@
   <p:clrMapOvr>
     <a:masterClrMapping/>
   </p:clrMapOvr>
-  <p:timing>
-    <p:tnLst>
-      <p:par>
-        <p:cTn id="1" dur="indefinite" restart="never" nodeType="tmRoot"/>
-      </p:par>
-    </p:tnLst>
-  </p:timing>
 </p:sld>
 </file>
 
@@ -45706,7 +45457,7 @@
           <a:p>
             <a:pPr algn="ctr"/>
             <a:r>
-              <a:rPr lang="en-US" altLang="zh-CN" sz="2400" dirty="0" smtClean="0"/>
+              <a:rPr lang="en-US" altLang="zh-CN" sz="2400" dirty="0"/>
               <a:t>THANKS</a:t>
             </a:r>
             <a:endParaRPr lang="zh-CN" altLang="en-US" sz="2400" dirty="0"/>
@@ -45809,21 +45560,6 @@
   <p:clrMapOvr>
     <a:masterClrMapping/>
   </p:clrMapOvr>
-  <mc:AlternateContent xmlns:mc="http://schemas.openxmlformats.org/markup-compatibility/2006" xmlns:p14="http://schemas.microsoft.com/office/powerpoint/2010/main">
-    <mc:Choice Requires="p14">
-      <p:transition p14:dur="0"/>
-    </mc:Choice>
-    <mc:Fallback xmlns="">
-      <p:transition/>
-    </mc:Fallback>
-  </mc:AlternateContent>
-  <p:timing>
-    <p:tnLst>
-      <p:par>
-        <p:cTn id="1" dur="indefinite" restart="never" nodeType="tmRoot"/>
-      </p:par>
-    </p:tnLst>
-  </p:timing>
 </p:sld>
 </file>
 
@@ -45910,11 +45646,7 @@
           <a:p>
             <a:r>
               <a:rPr lang="en-US" altLang="zh-CN" dirty="0"/>
-              <a:t>Appendix </a:t>
-            </a:r>
-            <a:r>
-              <a:rPr lang="en-US" altLang="zh-CN" dirty="0" smtClean="0"/>
-              <a:t>1– Linux Software Prepare</a:t>
+              <a:t>Appendix 1– Linux Software Prepare</a:t>
             </a:r>
             <a:endParaRPr lang="en-US" dirty="0"/>
           </a:p>
@@ -45943,7 +45675,7 @@
           <a:lstStyle/>
           <a:p>
             <a:r>
-              <a:rPr lang="en-US" altLang="zh-CN" sz="1600" b="1" dirty="0" smtClean="0"/>
+              <a:rPr lang="en-US" altLang="zh-CN" sz="1600" b="1" dirty="0"/>
               <a:t>1. Prepare environment:</a:t>
             </a:r>
           </a:p>
@@ -45953,75 +45685,70 @@
               <a:buChar char="•"/>
             </a:pPr>
             <a:r>
-              <a:rPr lang="en-US" altLang="zh-CN" sz="1600" dirty="0" smtClean="0"/>
-              <a:t>Run command ‘source </a:t>
+              <a:rPr lang="en-US" altLang="zh-CN" sz="1600" dirty="0"/>
+              <a:t>Run command ‘source /</a:t>
+            </a:r>
+            <a:r>
+              <a:rPr lang="en-US" altLang="zh-CN" sz="1600" dirty="0" err="1"/>
+              <a:t>lsh</a:t>
             </a:r>
             <a:r>
               <a:rPr lang="en-US" altLang="zh-CN" sz="1600" dirty="0"/>
               <a:t>/</a:t>
             </a:r>
             <a:r>
-              <a:rPr lang="en-US" altLang="zh-CN" sz="1600" dirty="0" err="1" smtClean="0"/>
-              <a:t>lsh</a:t>
+              <a:rPr lang="en-US" altLang="zh-CN" sz="1600" dirty="0" err="1"/>
+              <a:t>sw</a:t>
             </a:r>
             <a:r>
-              <a:rPr lang="en-US" altLang="zh-CN" sz="1600" dirty="0" smtClean="0"/>
+              <a:rPr lang="en-US" altLang="zh-CN" sz="1600" dirty="0"/>
               <a:t>/</a:t>
             </a:r>
             <a:r>
-              <a:rPr lang="en-US" altLang="zh-CN" sz="1600" dirty="0" err="1" smtClean="0"/>
-              <a:t>sw</a:t>
+              <a:rPr lang="en-US" altLang="zh-CN" sz="1600" dirty="0" err="1"/>
+              <a:t>qa</a:t>
             </a:r>
             <a:r>
-              <a:rPr lang="en-US" altLang="zh-CN" sz="1600" dirty="0" smtClean="0"/>
+              <a:rPr lang="en-US" altLang="zh-CN" sz="1600" dirty="0"/>
               <a:t>/</a:t>
             </a:r>
             <a:r>
-              <a:rPr lang="en-US" altLang="zh-CN" sz="1600" dirty="0" err="1" smtClean="0"/>
-              <a:t>qa</a:t>
+              <a:rPr lang="en-US" altLang="zh-CN" sz="1600" dirty="0" err="1"/>
+              <a:t>lshqa</a:t>
             </a:r>
             <a:r>
-              <a:rPr lang="en-US" altLang="zh-CN" sz="1600" dirty="0" smtClean="0"/>
+              <a:rPr lang="en-US" altLang="zh-CN" sz="1600" dirty="0"/>
               <a:t>/</a:t>
             </a:r>
             <a:r>
-              <a:rPr lang="en-US" altLang="zh-CN" sz="1600" dirty="0" err="1" smtClean="0"/>
-              <a:t>lshqa</a:t>
+              <a:rPr lang="en-US" altLang="zh-CN" sz="1600" dirty="0" err="1"/>
+              <a:t>qa_home</a:t>
             </a:r>
             <a:r>
-              <a:rPr lang="en-US" altLang="zh-CN" sz="1600" dirty="0" smtClean="0"/>
+              <a:rPr lang="en-US" altLang="zh-CN" sz="1600" dirty="0"/>
               <a:t>/</a:t>
             </a:r>
             <a:r>
-              <a:rPr lang="en-US" altLang="zh-CN" sz="1600" dirty="0" err="1" smtClean="0"/>
-              <a:t>qa_home</a:t>
+              <a:rPr lang="en-US" altLang="zh-CN" sz="1600" dirty="0" err="1"/>
+              <a:t>qa_config</a:t>
             </a:r>
             <a:r>
-              <a:rPr lang="en-US" altLang="zh-CN" sz="1600" dirty="0" smtClean="0"/>
+              <a:rPr lang="en-US" altLang="zh-CN" sz="1600" dirty="0"/>
               <a:t>/</a:t>
             </a:r>
             <a:r>
-              <a:rPr lang="en-US" altLang="zh-CN" sz="1600" dirty="0" err="1" smtClean="0"/>
-              <a:t>qa_config</a:t>
-            </a:r>
-            <a:r>
-              <a:rPr lang="en-US" altLang="zh-CN" sz="1600" dirty="0" smtClean="0"/>
-              <a:t>/</a:t>
-            </a:r>
-            <a:r>
-              <a:rPr lang="en-US" altLang="zh-CN" sz="1600" dirty="0" err="1" smtClean="0"/>
+              <a:rPr lang="en-US" altLang="zh-CN" sz="1600" dirty="0" err="1"/>
               <a:t>tmp.cshrc</a:t>
             </a:r>
             <a:r>
-              <a:rPr lang="en-US" altLang="zh-CN" sz="1600" dirty="0" smtClean="0"/>
+              <a:rPr lang="en-US" altLang="zh-CN" sz="1600" dirty="0"/>
               <a:t>’</a:t>
             </a:r>
-            <a:endParaRPr lang="en-US" altLang="zh-CN" sz="1600" dirty="0"/>
           </a:p>
           <a:p>
             <a:pPr lvl="1"/>
             <a:r>
-              <a:rPr lang="en-US" altLang="zh-CN" sz="1600" dirty="0" smtClean="0"/>
+              <a:rPr lang="en-US" altLang="zh-CN" sz="1600" dirty="0"/>
               <a:t>With this command you will get following things ready:</a:t>
             </a:r>
           </a:p>
@@ -46031,12 +45758,8 @@
               <a:buChar char="•"/>
             </a:pPr>
             <a:r>
-              <a:rPr lang="en-US" altLang="zh-CN" sz="1600" dirty="0" smtClean="0"/>
-              <a:t>python linked </a:t>
-            </a:r>
-            <a:r>
               <a:rPr lang="en-US" altLang="zh-CN" sz="1600" dirty="0"/>
-              <a:t>to: /</a:t>
+              <a:t>python linked to: /</a:t>
             </a:r>
             <a:r>
               <a:rPr lang="en-US" altLang="zh-CN" sz="1600" dirty="0" err="1"/>
@@ -46093,70 +45816,62 @@
               <a:buChar char="•"/>
             </a:pPr>
             <a:r>
-              <a:rPr lang="en-US" altLang="zh-CN" sz="1600" dirty="0" smtClean="0"/>
-              <a:t>squish linked </a:t>
+              <a:rPr lang="en-US" altLang="zh-CN" sz="1600" dirty="0"/>
+              <a:t>squish linked to: /</a:t>
+            </a:r>
+            <a:r>
+              <a:rPr lang="en-US" altLang="zh-CN" sz="1600" dirty="0" err="1"/>
+              <a:t>lsh</a:t>
             </a:r>
             <a:r>
               <a:rPr lang="en-US" altLang="zh-CN" sz="1600" dirty="0"/>
-              <a:t>to</a:t>
-            </a:r>
-            <a:r>
-              <a:rPr lang="en-US" altLang="zh-CN" sz="1600" dirty="0" smtClean="0"/>
-              <a:t>: /</a:t>
-            </a:r>
-            <a:r>
-              <a:rPr lang="en-US" altLang="zh-CN" sz="1600" dirty="0" err="1" smtClean="0"/>
-              <a:t>lsh</a:t>
-            </a:r>
-            <a:r>
-              <a:rPr lang="en-US" altLang="zh-CN" sz="1600" dirty="0" smtClean="0"/>
               <a:t>/</a:t>
             </a:r>
             <a:r>
-              <a:rPr lang="en-US" altLang="zh-CN" sz="1600" dirty="0" err="1" smtClean="0"/>
+              <a:rPr lang="en-US" altLang="zh-CN" sz="1600" dirty="0" err="1"/>
               <a:t>sw</a:t>
             </a:r>
             <a:r>
-              <a:rPr lang="en-US" altLang="zh-CN" sz="1600" dirty="0" smtClean="0"/>
+              <a:rPr lang="en-US" altLang="zh-CN" sz="1600" dirty="0"/>
               <a:t>/</a:t>
             </a:r>
             <a:r>
-              <a:rPr lang="en-US" altLang="zh-CN" sz="1600" dirty="0" err="1" smtClean="0"/>
+              <a:rPr lang="en-US" altLang="zh-CN" sz="1600" dirty="0" err="1"/>
               <a:t>qa</a:t>
             </a:r>
             <a:r>
-              <a:rPr lang="en-US" altLang="zh-CN" sz="1600" dirty="0" smtClean="0"/>
+              <a:rPr lang="en-US" altLang="zh-CN" sz="1600" dirty="0"/>
               <a:t>/</a:t>
             </a:r>
             <a:r>
-              <a:rPr lang="en-US" altLang="zh-CN" sz="1600" dirty="0" err="1" smtClean="0"/>
+              <a:rPr lang="en-US" altLang="zh-CN" sz="1600" dirty="0" err="1"/>
               <a:t>lshqa</a:t>
             </a:r>
             <a:r>
-              <a:rPr lang="en-US" altLang="zh-CN" sz="1600" dirty="0" smtClean="0"/>
+              <a:rPr lang="en-US" altLang="zh-CN" sz="1600" dirty="0"/>
               <a:t>/</a:t>
             </a:r>
             <a:r>
-              <a:rPr lang="en-US" altLang="zh-CN" sz="1600" dirty="0" err="1" smtClean="0"/>
+              <a:rPr lang="en-US" altLang="zh-CN" sz="1600" dirty="0" err="1"/>
               <a:t>qa_home</a:t>
             </a:r>
             <a:r>
-              <a:rPr lang="en-US" altLang="zh-CN" sz="1600" dirty="0" smtClean="0"/>
+              <a:rPr lang="en-US" altLang="zh-CN" sz="1600" dirty="0"/>
               <a:t>/</a:t>
             </a:r>
             <a:r>
-              <a:rPr lang="en-US" altLang="zh-CN" sz="1600" dirty="0" err="1" smtClean="0"/>
+              <a:rPr lang="en-US" altLang="zh-CN" sz="1600" dirty="0" err="1"/>
               <a:t>qa_tools</a:t>
             </a:r>
             <a:r>
-              <a:rPr lang="en-US" altLang="zh-CN" sz="1600" dirty="0" smtClean="0"/>
+              <a:rPr lang="en-US" altLang="zh-CN" sz="1600" dirty="0"/>
               <a:t>/squish6.1/</a:t>
             </a:r>
             <a:r>
-              <a:rPr lang="en-US" altLang="zh-CN" sz="1600" dirty="0" err="1" smtClean="0"/>
+              <a:rPr lang="en-US" altLang="zh-CN" sz="1600" dirty="0" err="1"/>
               <a:t>squishide</a:t>
             </a:r>
-            <a:endParaRPr lang="en-US" altLang="zh-CN" sz="1600" dirty="0" smtClean="0"/>
+            <a:endParaRPr lang="en-US" altLang="zh-CN" sz="1600" dirty="0"/>
           </a:p>
           <a:p>
             <a:pPr marL="742950" lvl="1" indent="-285750">
@@ -46164,7 +45879,7 @@
               <a:buChar char="•"/>
             </a:pPr>
             <a:r>
-              <a:rPr lang="en-US" altLang="zh-CN" sz="1600" b="1" dirty="0" smtClean="0">
+              <a:rPr lang="en-US" altLang="zh-CN" sz="1600" b="1" dirty="0">
                 <a:solidFill>
                   <a:srgbClr val="FF0000"/>
                 </a:solidFill>
@@ -46172,7 +45887,7 @@
               <a:t>‘</a:t>
             </a:r>
             <a:r>
-              <a:rPr lang="en-US" altLang="zh-CN" sz="1600" b="1" dirty="0" err="1" smtClean="0">
+              <a:rPr lang="en-US" altLang="zh-CN" sz="1600" b="1" dirty="0" err="1">
                 <a:solidFill>
                   <a:srgbClr val="FF0000"/>
                 </a:solidFill>
@@ -46180,7 +45895,7 @@
               <a:t>tmp_client</a:t>
             </a:r>
             <a:r>
-              <a:rPr lang="en-US" altLang="zh-CN" sz="1600" b="1" dirty="0" smtClean="0">
+              <a:rPr lang="en-US" altLang="zh-CN" sz="1600" b="1" dirty="0">
                 <a:solidFill>
                   <a:srgbClr val="FF0000"/>
                 </a:solidFill>
@@ -46188,12 +45903,20 @@
               <a:t>’</a:t>
             </a:r>
             <a:r>
-              <a:rPr lang="en-US" altLang="zh-CN" sz="1600" dirty="0" smtClean="0">
+              <a:rPr lang="en-US" altLang="zh-CN" sz="1600" dirty="0">
                 <a:solidFill>
                   <a:srgbClr val="FFC000"/>
                 </a:solidFill>
               </a:rPr>
-              <a:t> linked to</a:t>
+              <a:t> linked to: /</a:t>
+            </a:r>
+            <a:r>
+              <a:rPr lang="en-US" altLang="zh-CN" sz="1600" dirty="0" err="1">
+                <a:solidFill>
+                  <a:srgbClr val="FFC000"/>
+                </a:solidFill>
+              </a:rPr>
+              <a:t>lsh</a:t>
             </a:r>
             <a:r>
               <a:rPr lang="en-US" altLang="zh-CN" sz="1600" dirty="0">
@@ -46201,18 +45924,18 @@
                   <a:srgbClr val="FFC000"/>
                 </a:solidFill>
               </a:rPr>
-              <a:t>: /</a:t>
+              <a:t>/</a:t>
             </a:r>
             <a:r>
-              <a:rPr lang="en-US" altLang="zh-CN" sz="1600" dirty="0" err="1" smtClean="0">
+              <a:rPr lang="en-US" altLang="zh-CN" sz="1600" dirty="0" err="1">
                 <a:solidFill>
                   <a:srgbClr val="FFC000"/>
                 </a:solidFill>
               </a:rPr>
-              <a:t>lsh</a:t>
+              <a:t>sw</a:t>
             </a:r>
             <a:r>
-              <a:rPr lang="en-US" altLang="zh-CN" sz="1600" dirty="0" smtClean="0">
+              <a:rPr lang="en-US" altLang="zh-CN" sz="1600" dirty="0">
                 <a:solidFill>
                   <a:srgbClr val="FFC000"/>
                 </a:solidFill>
@@ -46220,15 +45943,15 @@
               <a:t>/</a:t>
             </a:r>
             <a:r>
-              <a:rPr lang="en-US" altLang="zh-CN" sz="1600" dirty="0" err="1" smtClean="0">
+              <a:rPr lang="en-US" altLang="zh-CN" sz="1600" dirty="0" err="1">
                 <a:solidFill>
                   <a:srgbClr val="FFC000"/>
                 </a:solidFill>
               </a:rPr>
-              <a:t>sw</a:t>
+              <a:t>qa</a:t>
             </a:r>
             <a:r>
-              <a:rPr lang="en-US" altLang="zh-CN" sz="1600" dirty="0" smtClean="0">
+              <a:rPr lang="en-US" altLang="zh-CN" sz="1600" dirty="0">
                 <a:solidFill>
                   <a:srgbClr val="FFC000"/>
                 </a:solidFill>
@@ -46236,15 +45959,15 @@
               <a:t>/</a:t>
             </a:r>
             <a:r>
-              <a:rPr lang="en-US" altLang="zh-CN" sz="1600" dirty="0" err="1" smtClean="0">
+              <a:rPr lang="en-US" altLang="zh-CN" sz="1600" dirty="0" err="1">
                 <a:solidFill>
                   <a:srgbClr val="FFC000"/>
                 </a:solidFill>
               </a:rPr>
-              <a:t>qa</a:t>
+              <a:t>lshqa</a:t>
             </a:r>
             <a:r>
-              <a:rPr lang="en-US" altLang="zh-CN" sz="1600" dirty="0" smtClean="0">
+              <a:rPr lang="en-US" altLang="zh-CN" sz="1600" dirty="0">
                 <a:solidFill>
                   <a:srgbClr val="FFC000"/>
                 </a:solidFill>
@@ -46252,15 +45975,15 @@
               <a:t>/</a:t>
             </a:r>
             <a:r>
-              <a:rPr lang="en-US" altLang="zh-CN" sz="1600" dirty="0" err="1" smtClean="0">
+              <a:rPr lang="en-US" altLang="zh-CN" sz="1600" dirty="0" err="1">
                 <a:solidFill>
                   <a:srgbClr val="FFC000"/>
                 </a:solidFill>
               </a:rPr>
-              <a:t>lshqa</a:t>
+              <a:t>qa_home</a:t>
             </a:r>
             <a:r>
-              <a:rPr lang="en-US" altLang="zh-CN" sz="1600" dirty="0" smtClean="0">
+              <a:rPr lang="en-US" altLang="zh-CN" sz="1600" dirty="0">
                 <a:solidFill>
                   <a:srgbClr val="FFC000"/>
                 </a:solidFill>
@@ -46268,15 +45991,15 @@
               <a:t>/</a:t>
             </a:r>
             <a:r>
-              <a:rPr lang="en-US" altLang="zh-CN" sz="1600" dirty="0" err="1" smtClean="0">
+              <a:rPr lang="en-US" altLang="zh-CN" sz="1600" dirty="0" err="1">
                 <a:solidFill>
                   <a:srgbClr val="FFC000"/>
                 </a:solidFill>
               </a:rPr>
-              <a:t>qa_home</a:t>
+              <a:t>qa_tools</a:t>
             </a:r>
             <a:r>
-              <a:rPr lang="en-US" altLang="zh-CN" sz="1600" dirty="0" smtClean="0">
+              <a:rPr lang="en-US" altLang="zh-CN" sz="1600" dirty="0">
                 <a:solidFill>
                   <a:srgbClr val="FFC000"/>
                 </a:solidFill>
@@ -46284,23 +46007,7 @@
               <a:t>/</a:t>
             </a:r>
             <a:r>
-              <a:rPr lang="en-US" altLang="zh-CN" sz="1600" dirty="0" err="1" smtClean="0">
-                <a:solidFill>
-                  <a:srgbClr val="FFC000"/>
-                </a:solidFill>
-              </a:rPr>
-              <a:t>qa_tools</a:t>
-            </a:r>
-            <a:r>
-              <a:rPr lang="en-US" altLang="zh-CN" sz="1600" dirty="0" smtClean="0">
-                <a:solidFill>
-                  <a:srgbClr val="FFC000"/>
-                </a:solidFill>
-              </a:rPr>
-              <a:t>/</a:t>
-            </a:r>
-            <a:r>
-              <a:rPr lang="en-US" altLang="zh-CN" sz="1600" dirty="0" err="1" smtClean="0">
+              <a:rPr lang="en-US" altLang="zh-CN" sz="1600" dirty="0" err="1">
                 <a:solidFill>
                   <a:srgbClr val="FFC000"/>
                 </a:solidFill>
@@ -46308,7 +46015,7 @@
               <a:t>TMP_Client</a:t>
             </a:r>
             <a:r>
-              <a:rPr lang="en-US" altLang="zh-CN" sz="1600" dirty="0" smtClean="0">
+              <a:rPr lang="en-US" altLang="zh-CN" sz="1600" dirty="0">
                 <a:solidFill>
                   <a:srgbClr val="FFC000"/>
                 </a:solidFill>
@@ -46322,48 +46029,39 @@
               <a:buChar char="•"/>
             </a:pPr>
             <a:r>
-              <a:rPr lang="en-US" altLang="zh-CN" sz="1600" dirty="0" smtClean="0"/>
+              <a:rPr lang="en-US" altLang="zh-CN" sz="1600" dirty="0"/>
               <a:t>Display setting: </a:t>
             </a:r>
             <a:r>
-              <a:rPr lang="en-US" altLang="zh-CN" sz="1600" dirty="0" err="1" smtClean="0"/>
+              <a:rPr lang="en-US" altLang="zh-CN" sz="1600" dirty="0" err="1"/>
               <a:t>setenv</a:t>
             </a:r>
             <a:r>
-              <a:rPr lang="en-US" altLang="zh-CN" sz="1600" dirty="0" smtClean="0"/>
+              <a:rPr lang="en-US" altLang="zh-CN" sz="1600" dirty="0"/>
               <a:t> DISPLAY XXXX:X.0</a:t>
             </a:r>
-            <a:endParaRPr lang="en-US" altLang="zh-CN" sz="1600" dirty="0"/>
           </a:p>
           <a:p>
             <a:pPr marL="285750" indent="-285750">
               <a:buFont typeface="Arial" panose="020B0604020202020204" pitchFamily="34" charset="0"/>
               <a:buChar char="•"/>
             </a:pPr>
-            <a:endParaRPr lang="en-US" altLang="zh-CN" sz="1600" dirty="0" smtClean="0"/>
+            <a:endParaRPr lang="en-US" altLang="zh-CN" sz="1600" dirty="0"/>
           </a:p>
           <a:p>
             <a:r>
-              <a:rPr lang="en-US" altLang="zh-CN" sz="1600" dirty="0" smtClean="0"/>
+              <a:rPr lang="en-US" altLang="zh-CN" sz="1600" dirty="0"/>
               <a:t>2. Open Squish GUI (Only for first time)</a:t>
             </a:r>
           </a:p>
           <a:p>
             <a:r>
-              <a:rPr lang="en-US" altLang="zh-CN" sz="1600" dirty="0" smtClean="0"/>
-              <a:t>    type ‘Squish’ in console and type the license into the GUI for the first time.(</a:t>
-            </a:r>
-            <a:r>
               <a:rPr lang="en-US" altLang="zh-CN" sz="1600" dirty="0"/>
-              <a:t>GGB-222K2-2SUJ3-26X</a:t>
-            </a:r>
-            <a:r>
-              <a:rPr lang="en-US" altLang="zh-CN" sz="1600" dirty="0" smtClean="0"/>
-              <a:t>)</a:t>
+              <a:t>    type ‘Squish’ in console and type the license into the GUI for the first time.(GGB-222K2-2SUJ3-26X)</a:t>
             </a:r>
           </a:p>
           <a:p>
-            <a:endParaRPr lang="en-US" altLang="zh-CN" sz="1600" dirty="0" smtClean="0"/>
+            <a:endParaRPr lang="en-US" altLang="zh-CN" sz="1600" dirty="0"/>
           </a:p>
           <a:p>
             <a:endParaRPr lang="en-US" altLang="zh-CN" sz="1600" dirty="0"/>
@@ -46383,13 +46081,6 @@
   <p:clrMapOvr>
     <a:masterClrMapping/>
   </p:clrMapOvr>
-  <p:timing>
-    <p:tnLst>
-      <p:par>
-        <p:cTn id="1" dur="indefinite" restart="never" nodeType="tmRoot"/>
-      </p:par>
-    </p:tnLst>
-  </p:timing>
 </p:sld>
 </file>
 
@@ -46476,11 +46167,7 @@
           <a:p>
             <a:r>
               <a:rPr lang="en-US" altLang="zh-CN" dirty="0"/>
-              <a:t>Appendix </a:t>
-            </a:r>
-            <a:r>
-              <a:rPr lang="en-US" altLang="zh-CN" dirty="0" smtClean="0"/>
-              <a:t>1– Linux EIT2 suite launch</a:t>
+              <a:t>Appendix 1– Linux EIT2 suite launch</a:t>
             </a:r>
             <a:endParaRPr lang="en-US" dirty="0"/>
           </a:p>
@@ -46495,7 +46182,7 @@
         <p:spPr>
           <a:xfrm>
             <a:off x="381000" y="742950"/>
-            <a:ext cx="8542021" cy="4093428"/>
+            <a:ext cx="8542021" cy="3847207"/>
           </a:xfrm>
           <a:prstGeom prst="rect">
             <a:avLst/>
@@ -46515,38 +46202,37 @@
           </a:p>
           <a:p>
             <a:r>
-              <a:rPr lang="en-US" altLang="zh-CN" sz="1600" dirty="0" err="1" smtClean="0"/>
+              <a:rPr lang="en-US" altLang="zh-CN" sz="1600" dirty="0" err="1"/>
               <a:t>setenv</a:t>
             </a:r>
             <a:r>
-              <a:rPr lang="en-US" altLang="zh-CN" sz="1600" dirty="0" smtClean="0"/>
+              <a:rPr lang="en-US" altLang="zh-CN" sz="1600" dirty="0"/>
               <a:t> EXTERNAL_RADIANT_PATH  /home/</a:t>
             </a:r>
             <a:r>
-              <a:rPr lang="en-US" altLang="zh-CN" sz="1600" dirty="0" err="1" smtClean="0"/>
+              <a:rPr lang="en-US" altLang="zh-CN" sz="1600" dirty="0" err="1"/>
               <a:t>rel</a:t>
             </a:r>
             <a:r>
-              <a:rPr lang="en-US" altLang="zh-CN" sz="1600" dirty="0" smtClean="0"/>
+              <a:rPr lang="en-US" altLang="zh-CN" sz="1600" dirty="0"/>
               <a:t>/ng1_1p.96/</a:t>
             </a:r>
             <a:r>
-              <a:rPr lang="en-US" altLang="zh-CN" sz="1600" dirty="0" err="1" smtClean="0"/>
+              <a:rPr lang="en-US" altLang="zh-CN" sz="1600" dirty="0" err="1"/>
               <a:t>eit</a:t>
             </a:r>
             <a:r>
-              <a:rPr lang="en-US" altLang="zh-CN" sz="1600" dirty="0" smtClean="0"/>
+              <a:rPr lang="en-US" altLang="zh-CN" sz="1600" dirty="0"/>
               <a:t>/</a:t>
             </a:r>
             <a:r>
-              <a:rPr lang="en-US" altLang="zh-CN" sz="1600" dirty="0" err="1" smtClean="0"/>
+              <a:rPr lang="en-US" altLang="zh-CN" sz="1600" dirty="0" err="1"/>
               <a:t>lin</a:t>
             </a:r>
             <a:r>
-              <a:rPr lang="en-US" altLang="zh-CN" sz="1600" dirty="0" smtClean="0"/>
+              <a:rPr lang="en-US" altLang="zh-CN" sz="1600" dirty="0"/>
               <a:t>/install</a:t>
             </a:r>
-            <a:endParaRPr lang="en-US" altLang="zh-CN" sz="1600" dirty="0"/>
           </a:p>
           <a:p>
             <a:r>
@@ -46556,16 +46242,12 @@
           </a:p>
           <a:p>
             <a:r>
-              <a:rPr lang="en-US" altLang="zh-CN" sz="1600" dirty="0" err="1" smtClean="0"/>
+              <a:rPr lang="en-US" altLang="zh-CN" sz="1600" dirty="0" err="1"/>
               <a:t>setenv</a:t>
             </a:r>
             <a:r>
-              <a:rPr lang="en-US" altLang="zh-CN" sz="1600" dirty="0" smtClean="0"/>
-              <a:t> ENV /</a:t>
-            </a:r>
-            <a:r>
               <a:rPr lang="en-US" altLang="zh-CN" sz="1600" dirty="0"/>
-              <a:t>home/</a:t>
+              <a:t> ENV /home/</a:t>
             </a:r>
             <a:r>
               <a:rPr lang="en-US" altLang="zh-CN" sz="1600" dirty="0" err="1"/>
@@ -46583,16 +46265,12 @@
           </a:p>
           <a:p>
             <a:r>
-              <a:rPr lang="en-US" altLang="zh-CN" sz="1600" dirty="0" err="1" smtClean="0"/>
+              <a:rPr lang="en-US" altLang="zh-CN" sz="1600" dirty="0" err="1"/>
               <a:t>setenv</a:t>
             </a:r>
             <a:r>
-              <a:rPr lang="en-US" altLang="zh-CN" sz="1600" dirty="0" smtClean="0"/>
-              <a:t> RTF /</a:t>
-            </a:r>
-            <a:r>
               <a:rPr lang="en-US" altLang="zh-CN" sz="1600" dirty="0"/>
-              <a:t>home/</a:t>
+              <a:t> RTF /home/</a:t>
             </a:r>
             <a:r>
               <a:rPr lang="en-US" altLang="zh-CN" sz="1600" dirty="0" err="1"/>
@@ -46604,68 +46282,6 @@
             </a:r>
           </a:p>
           <a:p>
-            <a:r>
-              <a:rPr lang="en-US" altLang="zh-CN" sz="1600" dirty="0"/>
-              <a:t>and</a:t>
-            </a:r>
-          </a:p>
-          <a:p>
-            <a:r>
-              <a:rPr lang="en-US" altLang="zh-CN" sz="1600" strike="sngStrike" dirty="0" err="1" smtClean="0"/>
-              <a:t>setenv</a:t>
-            </a:r>
-            <a:r>
-              <a:rPr lang="en-US" altLang="zh-CN" sz="1600" strike="sngStrike" dirty="0" smtClean="0"/>
-              <a:t> EXTERNAL_SQUISH_PATH  /</a:t>
-            </a:r>
-            <a:r>
-              <a:rPr lang="en-US" altLang="zh-CN" sz="1600" strike="sngStrike" dirty="0" err="1" smtClean="0"/>
-              <a:t>lsh</a:t>
-            </a:r>
-            <a:r>
-              <a:rPr lang="en-US" altLang="zh-CN" sz="1600" strike="sngStrike" dirty="0" smtClean="0"/>
-              <a:t>/</a:t>
-            </a:r>
-            <a:r>
-              <a:rPr lang="en-US" altLang="zh-CN" sz="1600" strike="sngStrike" dirty="0" err="1" smtClean="0"/>
-              <a:t>sw</a:t>
-            </a:r>
-            <a:r>
-              <a:rPr lang="en-US" altLang="zh-CN" sz="1600" strike="sngStrike" dirty="0" smtClean="0"/>
-              <a:t>/</a:t>
-            </a:r>
-            <a:r>
-              <a:rPr lang="en-US" altLang="zh-CN" sz="1600" strike="sngStrike" dirty="0" err="1" smtClean="0"/>
-              <a:t>qa</a:t>
-            </a:r>
-            <a:r>
-              <a:rPr lang="en-US" altLang="zh-CN" sz="1600" strike="sngStrike" dirty="0" smtClean="0"/>
-              <a:t>/</a:t>
-            </a:r>
-            <a:r>
-              <a:rPr lang="en-US" altLang="zh-CN" sz="1600" strike="sngStrike" dirty="0" err="1" smtClean="0"/>
-              <a:t>lshqa</a:t>
-            </a:r>
-            <a:r>
-              <a:rPr lang="en-US" altLang="zh-CN" sz="1600" strike="sngStrike" dirty="0" smtClean="0"/>
-              <a:t>/</a:t>
-            </a:r>
-            <a:r>
-              <a:rPr lang="en-US" altLang="zh-CN" sz="1600" strike="sngStrike" dirty="0" err="1" smtClean="0"/>
-              <a:t>qa_home</a:t>
-            </a:r>
-            <a:r>
-              <a:rPr lang="en-US" altLang="zh-CN" sz="1600" strike="sngStrike" dirty="0" smtClean="0"/>
-              <a:t>/</a:t>
-            </a:r>
-            <a:r>
-              <a:rPr lang="en-US" altLang="zh-CN" sz="1600" strike="sngStrike" dirty="0" err="1" smtClean="0"/>
-              <a:t>qa_tools</a:t>
-            </a:r>
-            <a:r>
-              <a:rPr lang="en-US" altLang="zh-CN" sz="1600" strike="sngStrike" dirty="0" smtClean="0"/>
-              <a:t>/squish6.1</a:t>
-            </a:r>
             <a:endParaRPr lang="en-US" altLang="zh-CN" sz="1600" dirty="0"/>
           </a:p>
           <a:p>
@@ -46712,7 +46328,7 @@
               <a:t> software -f \$</a:t>
             </a:r>
             <a:r>
-              <a:rPr lang="en-US" altLang="zh-CN" sz="1600" dirty="0" err="1" smtClean="0">
+              <a:rPr lang="en-US" altLang="zh-CN" sz="1600" dirty="0" err="1">
                 <a:solidFill>
                   <a:srgbClr val="FF0000"/>
                 </a:solidFill>
@@ -46720,18 +46336,13 @@
               <a:t>unit_path</a:t>
             </a:r>
             <a:r>
-              <a:rPr lang="en-US" altLang="zh-CN" sz="1600" smtClean="0">
+              <a:rPr lang="en-US" altLang="zh-CN" sz="1600" dirty="0">
                 <a:solidFill>
                   <a:srgbClr val="FF0000"/>
                 </a:solidFill>
               </a:rPr>
               <a:t>/others/pn_20_project_navigator_example.xlsx </a:t>
             </a:r>
-            <a:endParaRPr lang="en-US" altLang="zh-CN" sz="1600" dirty="0">
-              <a:solidFill>
-                <a:srgbClr val="FF0000"/>
-              </a:solidFill>
-            </a:endParaRPr>
           </a:p>
           <a:p>
             <a:r>
@@ -46749,12 +46360,8 @@
               <a:buChar char="•"/>
             </a:pPr>
             <a:r>
-              <a:rPr lang="en-US" altLang="zh-CN" sz="1400" i="1" dirty="0" smtClean="0"/>
-              <a:t>*:</a:t>
-            </a:r>
-            <a:r>
               <a:rPr lang="en-US" altLang="zh-CN" sz="1400" i="1" dirty="0"/>
-              <a:t>Just for first time launch</a:t>
+              <a:t>*:Just for first time launch</a:t>
             </a:r>
           </a:p>
           <a:p>
@@ -46792,11 +46399,7 @@
             </a:pPr>
             <a:r>
               <a:rPr lang="en-US" altLang="zh-CN" sz="1400" i="1" dirty="0"/>
-              <a:t>-w work space, where to run your cases, it’s better to assign a place with 5g+ </a:t>
-            </a:r>
-            <a:r>
-              <a:rPr lang="en-US" altLang="zh-CN" sz="1400" i="1" dirty="0" smtClean="0"/>
-              <a:t>space</a:t>
+              <a:t>-w work space, where to run your cases, it’s better to assign a place with 5g+ space</a:t>
             </a:r>
           </a:p>
           <a:p>
@@ -46805,12 +46408,8 @@
               <a:buChar char="•"/>
             </a:pPr>
             <a:r>
-              <a:rPr lang="en-US" altLang="zh-CN" sz="1400" i="1" dirty="0" smtClean="0"/>
-              <a:t>GUI suites:pn_20_project_navigator_example.xlsx</a:t>
-            </a:r>
-            <a:r>
               <a:rPr lang="en-US" altLang="zh-CN" sz="1400" i="1" dirty="0"/>
-              <a:t>, pn_20_project_navigator_menu.xlsx, pn_20_project_navigator_tool.xlsx</a:t>
+              <a:t>GUI suites:pn_20_project_navigator_example.xlsx, pn_20_project_navigator_menu.xlsx, pn_20_project_navigator_tool.xlsx</a:t>
             </a:r>
             <a:endParaRPr lang="zh-CN" altLang="en-US" sz="1400" i="1" dirty="0"/>
           </a:p>
@@ -46826,13 +46425,6 @@
   <p:clrMapOvr>
     <a:masterClrMapping/>
   </p:clrMapOvr>
-  <p:timing>
-    <p:tnLst>
-      <p:par>
-        <p:cTn id="1" dur="indefinite" restart="never" nodeType="tmRoot"/>
-      </p:par>
-    </p:tnLst>
-  </p:timing>
 </p:sld>
 </file>
 
@@ -46872,7 +46464,6 @@
             <a:headEnd type="none" w="med" len="med"/>
             <a:tailEnd type="none" w="med" len="med"/>
           </a:ln>
-          <a:extLst/>
         </p:spPr>
         <p:style>
           <a:lnRef idx="2">
@@ -46912,7 +46503,7 @@
               <a:buNone/>
               <a:tabLst/>
             </a:pPr>
-            <a:endParaRPr kumimoji="0" lang="zh-CN" altLang="en-US" sz="2000" b="0" i="0" u="none" strike="noStrike" cap="none" normalizeH="0" baseline="0" dirty="0" smtClean="0">
+            <a:endParaRPr kumimoji="0" lang="zh-CN" altLang="en-US" sz="2000" b="0" i="0" u="none" strike="noStrike" cap="none" normalizeH="0" baseline="0" dirty="0">
               <a:ln>
                 <a:noFill/>
               </a:ln>
@@ -46992,10 +46583,9 @@
           <a:lstStyle/>
           <a:p>
             <a:r>
-              <a:rPr lang="en-US" dirty="0" smtClean="0"/>
+              <a:rPr lang="en-US" dirty="0"/>
               <a:t>Appendix2 – Case work flow</a:t>
             </a:r>
-            <a:endParaRPr lang="en-US" dirty="0"/>
           </a:p>
         </p:txBody>
       </p:sp>
@@ -47017,7 +46607,6 @@
             <a:headEnd type="none" w="med" len="med"/>
             <a:tailEnd type="none" w="med" len="med"/>
           </a:ln>
-          <a:extLst/>
         </p:spPr>
         <p:style>
           <a:lnRef idx="3">
@@ -47058,7 +46647,7 @@
               <a:tabLst/>
             </a:pPr>
             <a:r>
-              <a:rPr kumimoji="0" lang="en-US" altLang="zh-CN" sz="2000" b="0" i="0" u="none" strike="noStrike" cap="none" normalizeH="0" baseline="0" dirty="0" smtClean="0">
+              <a:rPr kumimoji="0" lang="en-US" altLang="zh-CN" sz="2000" b="0" i="0" u="none" strike="noStrike" cap="none" normalizeH="0" baseline="0" dirty="0">
                 <a:ln>
                   <a:noFill/>
                 </a:ln>
@@ -47072,7 +46661,7 @@
               </a:rPr>
               <a:t>depot</a:t>
             </a:r>
-            <a:endParaRPr kumimoji="0" lang="zh-CN" altLang="en-US" sz="2000" b="0" i="0" u="none" strike="noStrike" cap="none" normalizeH="0" baseline="0" dirty="0" smtClean="0">
+            <a:endParaRPr kumimoji="0" lang="zh-CN" altLang="en-US" sz="2000" b="0" i="0" u="none" strike="noStrike" cap="none" normalizeH="0" baseline="0" dirty="0">
               <a:ln>
                 <a:noFill/>
               </a:ln>
@@ -47112,7 +46701,6 @@
             <a:tailEnd type="none" w="med" len="med"/>
           </a:ln>
           <a:effectLst/>
-          <a:extLst/>
         </p:spPr>
         <p:txBody>
           <a:bodyPr vert="horz" wrap="square" lIns="91440" tIns="45720" rIns="91440" bIns="45720" numCol="1" rtlCol="0" anchor="ctr" anchorCtr="0" compatLnSpc="1">
@@ -47139,7 +46727,7 @@
               <a:tabLst/>
             </a:pPr>
             <a:r>
-              <a:rPr kumimoji="0" lang="en-US" altLang="zh-CN" sz="2000" b="0" i="0" u="none" strike="noStrike" cap="none" normalizeH="0" baseline="0" dirty="0" smtClean="0">
+              <a:rPr kumimoji="0" lang="en-US" altLang="zh-CN" sz="2000" b="0" i="0" u="none" strike="noStrike" cap="none" normalizeH="0" baseline="0" dirty="0">
                 <a:ln>
                   <a:noFill/>
                 </a:ln>
@@ -47153,7 +46741,7 @@
               </a:rPr>
               <a:t>Suite File</a:t>
             </a:r>
-            <a:endParaRPr kumimoji="0" lang="zh-CN" altLang="en-US" sz="2000" b="0" i="0" u="none" strike="noStrike" cap="none" normalizeH="0" baseline="0" dirty="0" smtClean="0">
+            <a:endParaRPr kumimoji="0" lang="zh-CN" altLang="en-US" sz="2000" b="0" i="0" u="none" strike="noStrike" cap="none" normalizeH="0" baseline="0" dirty="0">
               <a:ln>
                 <a:noFill/>
               </a:ln>
@@ -47193,7 +46781,6 @@
             <a:tailEnd type="none" w="med" len="med"/>
           </a:ln>
           <a:effectLst/>
-          <a:extLst/>
         </p:spPr>
         <p:txBody>
           <a:bodyPr vert="horz" wrap="square" lIns="91440" tIns="45720" rIns="91440" bIns="45720" numCol="1" rtlCol="0" anchor="ctr" anchorCtr="0" compatLnSpc="1">
@@ -47220,7 +46807,7 @@
               <a:tabLst/>
             </a:pPr>
             <a:r>
-              <a:rPr lang="en-US" altLang="zh-CN" sz="2000" dirty="0" smtClean="0">
+              <a:rPr lang="en-US" altLang="zh-CN" sz="2000" dirty="0">
                 <a:solidFill>
                   <a:srgbClr val="000000"/>
                 </a:solidFill>
@@ -47230,7 +46817,7 @@
               </a:rPr>
               <a:t>Work Space</a:t>
             </a:r>
-            <a:endParaRPr kumimoji="0" lang="zh-CN" altLang="en-US" sz="2000" b="0" i="0" u="none" strike="noStrike" cap="none" normalizeH="0" baseline="0" dirty="0" smtClean="0">
+            <a:endParaRPr kumimoji="0" lang="zh-CN" altLang="en-US" sz="2000" b="0" i="0" u="none" strike="noStrike" cap="none" normalizeH="0" baseline="0" dirty="0">
               <a:ln>
                 <a:noFill/>
               </a:ln>
@@ -47263,7 +46850,6 @@
             <a:headEnd type="none" w="med" len="med"/>
             <a:tailEnd type="none" w="med" len="med"/>
           </a:ln>
-          <a:extLst/>
         </p:spPr>
         <p:style>
           <a:lnRef idx="1">
@@ -47304,7 +46890,7 @@
               <a:tabLst/>
             </a:pPr>
             <a:r>
-              <a:rPr kumimoji="0" lang="en-US" altLang="zh-CN" sz="2000" b="0" i="0" u="none" strike="noStrike" cap="none" normalizeH="0" baseline="0" dirty="0" smtClean="0">
+              <a:rPr kumimoji="0" lang="en-US" altLang="zh-CN" sz="2000" b="0" i="0" u="none" strike="noStrike" cap="none" normalizeH="0" baseline="0" dirty="0">
                 <a:ln>
                   <a:noFill/>
                 </a:ln>
@@ -47318,7 +46904,7 @@
               </a:rPr>
               <a:t>Save Space</a:t>
             </a:r>
-            <a:endParaRPr kumimoji="0" lang="zh-CN" altLang="en-US" sz="2000" b="0" i="0" u="none" strike="noStrike" cap="none" normalizeH="0" baseline="0" dirty="0" smtClean="0">
+            <a:endParaRPr kumimoji="0" lang="zh-CN" altLang="en-US" sz="2000" b="0" i="0" u="none" strike="noStrike" cap="none" normalizeH="0" baseline="0" dirty="0">
               <a:ln>
                 <a:noFill/>
               </a:ln>
@@ -47401,25 +46987,25 @@
           <a:lstStyle/>
           <a:p>
             <a:r>
-              <a:rPr lang="en-US" altLang="zh-CN" dirty="0" smtClean="0"/>
+              <a:rPr lang="en-US" altLang="zh-CN" dirty="0"/>
               <a:t>Client will read the case info from Suite file and download the case to ‘work Space’ and run it then copy the run result to ‘Save Space’ if needed.</a:t>
             </a:r>
           </a:p>
           <a:p>
             <a:r>
-              <a:rPr lang="en-US" altLang="zh-CN" dirty="0" smtClean="0"/>
+              <a:rPr lang="en-US" altLang="zh-CN" dirty="0"/>
               <a:t>-w to set client work space</a:t>
             </a:r>
           </a:p>
           <a:p>
             <a:r>
-              <a:rPr lang="en-US" altLang="zh-CN" dirty="0" smtClean="0"/>
+              <a:rPr lang="en-US" altLang="zh-CN" dirty="0"/>
               <a:t>-s to client save space, if don’t need give the same value as -w</a:t>
             </a:r>
           </a:p>
           <a:p>
             <a:r>
-              <a:rPr lang="en-US" altLang="zh-CN" dirty="0" smtClean="0"/>
+              <a:rPr lang="en-US" altLang="zh-CN" dirty="0"/>
               <a:t>* Client will remember your setting, only first time need.</a:t>
             </a:r>
             <a:endParaRPr lang="zh-CN" altLang="en-US" dirty="0"/>
@@ -47491,7 +47077,7 @@
           <a:lstStyle/>
           <a:p>
             <a:r>
-              <a:rPr lang="en-US" altLang="zh-CN" dirty="0" smtClean="0"/>
+              <a:rPr lang="en-US" altLang="zh-CN" dirty="0"/>
               <a:t>Optional</a:t>
             </a:r>
             <a:endParaRPr lang="zh-CN" altLang="en-US" dirty="0"/>
@@ -47523,7 +47109,6 @@
             <a:tailEnd type="none" w="med" len="med"/>
           </a:ln>
           <a:effectLst/>
-          <a:extLst/>
         </p:spPr>
         <p:txBody>
           <a:bodyPr vert="horz" wrap="square" lIns="91440" tIns="45720" rIns="91440" bIns="45720" numCol="1" rtlCol="0" anchor="ctr" anchorCtr="0" compatLnSpc="1">
@@ -47549,7 +47134,7 @@
               <a:buNone/>
               <a:tabLst/>
             </a:pPr>
-            <a:endParaRPr kumimoji="0" lang="zh-CN" altLang="en-US" sz="2000" b="0" i="0" u="none" strike="noStrike" cap="none" normalizeH="0" baseline="0" dirty="0" smtClean="0">
+            <a:endParaRPr kumimoji="0" lang="zh-CN" altLang="en-US" sz="2000" b="0" i="0" u="none" strike="noStrike" cap="none" normalizeH="0" baseline="0" dirty="0">
               <a:ln>
                 <a:noFill/>
               </a:ln>
@@ -47589,7 +47174,6 @@
             <a:tailEnd type="none" w="med" len="med"/>
           </a:ln>
           <a:effectLst/>
-          <a:extLst/>
         </p:spPr>
         <p:txBody>
           <a:bodyPr vert="horz" wrap="square" lIns="91440" tIns="45720" rIns="91440" bIns="45720" numCol="1" rtlCol="0" anchor="ctr" anchorCtr="0" compatLnSpc="1">
@@ -47615,7 +47199,7 @@
               <a:buNone/>
               <a:tabLst/>
             </a:pPr>
-            <a:endParaRPr kumimoji="0" lang="zh-CN" altLang="en-US" sz="2000" b="0" i="0" u="none" strike="noStrike" cap="none" normalizeH="0" baseline="0" dirty="0" smtClean="0">
+            <a:endParaRPr kumimoji="0" lang="zh-CN" altLang="en-US" sz="2000" b="0" i="0" u="none" strike="noStrike" cap="none" normalizeH="0" baseline="0" dirty="0">
               <a:ln>
                 <a:noFill/>
               </a:ln>
@@ -47640,13 +47224,6 @@
   <p:clrMapOvr>
     <a:masterClrMapping/>
   </p:clrMapOvr>
-  <p:timing>
-    <p:tnLst>
-      <p:par>
-        <p:cTn id="1" dur="indefinite" restart="never" nodeType="tmRoot"/>
-      </p:par>
-    </p:tnLst>
-  </p:timing>
 </p:sld>
 </file>
 
@@ -47732,20 +47309,12 @@
           <a:lstStyle/>
           <a:p>
             <a:r>
-              <a:rPr lang="en-US" dirty="0" smtClean="0"/>
-              <a:t>Appendix3 </a:t>
-            </a:r>
-            <a:r>
               <a:rPr lang="en-US" dirty="0"/>
-              <a:t>- </a:t>
+              <a:t>Appendix3 - </a:t>
             </a:r>
             <a:r>
               <a:rPr lang="en-US" altLang="zh-CN" dirty="0"/>
-              <a:t>Ready for integration</a:t>
-            </a:r>
-            <a:r>
-              <a:rPr lang="en-US" altLang="zh-CN" dirty="0" smtClean="0"/>
-              <a:t>:</a:t>
+              <a:t>Ready for integration:</a:t>
             </a:r>
             <a:endParaRPr lang="en-US" dirty="0"/>
           </a:p>
@@ -47773,75 +47342,51 @@
           <a:lstStyle/>
           <a:p>
             <a:r>
-              <a:rPr lang="en-US" altLang="zh-CN" sz="1400" dirty="0" smtClean="0"/>
+              <a:rPr lang="en-US" altLang="zh-CN" sz="1400" dirty="0"/>
               <a:t>Client will exit with:</a:t>
             </a:r>
           </a:p>
           <a:p>
             <a:r>
-              <a:rPr lang="en-US" altLang="zh-CN" sz="1400" dirty="0" smtClean="0"/>
-              <a:t>0 </a:t>
-            </a:r>
-            <a:r>
               <a:rPr lang="en-US" altLang="zh-CN" sz="1400" dirty="0"/>
-              <a:t>: All test case passed or with .</a:t>
+              <a:t>0 : All test case passed or with .</a:t>
             </a:r>
           </a:p>
           <a:p>
             <a:r>
-              <a:rPr lang="en-US" altLang="zh-CN" sz="1400" dirty="0" smtClean="0"/>
-              <a:t>1 </a:t>
-            </a:r>
-            <a:r>
               <a:rPr lang="en-US" altLang="zh-CN" sz="1400" dirty="0"/>
-              <a:t>: Some case failed with known issues.(QA filed CR already)</a:t>
+              <a:t>1 : Some case failed with known issues.(QA filed CR already)</a:t>
             </a:r>
           </a:p>
           <a:p>
             <a:r>
-              <a:rPr lang="en-US" altLang="zh-CN" sz="1400" dirty="0" smtClean="0"/>
-              <a:t>2 </a:t>
+              <a:rPr lang="en-US" altLang="zh-CN" sz="1400" dirty="0"/>
+              <a:t>2 : Any case failed with unknown issues</a:t>
             </a:r>
-            <a:r>
-              <a:rPr lang="en-US" altLang="zh-CN" sz="1400" dirty="0"/>
-              <a:t>: Any case failed with unknown issues</a:t>
-            </a:r>
-          </a:p>
-          <a:p>
-            <a:endParaRPr lang="en-US" altLang="zh-CN" sz="1400" dirty="0" smtClean="0"/>
           </a:p>
           <a:p>
             <a:endParaRPr lang="en-US" altLang="zh-CN" sz="1400" dirty="0"/>
           </a:p>
           <a:p>
-            <a:endParaRPr lang="en-US" altLang="zh-CN" sz="1400" dirty="0" smtClean="0"/>
+            <a:endParaRPr lang="en-US" altLang="zh-CN" sz="1400" dirty="0"/>
+          </a:p>
+          <a:p>
+            <a:endParaRPr lang="en-US" altLang="zh-CN" sz="1400" dirty="0"/>
           </a:p>
           <a:p>
             <a:r>
-              <a:rPr lang="en-US" altLang="zh-CN" sz="1400" dirty="0" smtClean="0"/>
+              <a:rPr lang="en-US" altLang="zh-CN" sz="1400" dirty="0"/>
               <a:t>#python</a:t>
             </a:r>
           </a:p>
           <a:p>
             <a:r>
-              <a:rPr lang="en-US" altLang="zh-CN" sz="1400" dirty="0" err="1" smtClean="0"/>
+              <a:rPr lang="en-US" altLang="zh-CN" sz="1400" dirty="0" err="1"/>
               <a:t>exit_sts</a:t>
             </a:r>
             <a:r>
-              <a:rPr lang="en-US" altLang="zh-CN" sz="1400" dirty="0" smtClean="0"/>
-              <a:t> = os.system(‘</a:t>
-            </a:r>
-            <a:r>
               <a:rPr lang="en-US" altLang="zh-CN" sz="1400" dirty="0"/>
-              <a:t>clientc.exe -c </a:t>
-            </a:r>
-            <a:r>
-              <a:rPr lang="en-US" altLang="zh-CN" sz="1400" dirty="0" smtClean="0"/>
-              <a:t>-</a:t>
-            </a:r>
-            <a:r>
-              <a:rPr lang="en-US" altLang="zh-CN" sz="1400" dirty="0"/>
-              <a:t>l -</a:t>
+              <a:t> = os.system(‘clientc.exe -c -l -</a:t>
             </a:r>
             <a:r>
               <a:rPr lang="en-US" altLang="zh-CN" sz="1400" dirty="0" err="1"/>
@@ -47852,29 +47397,29 @@
               <a:t> software -f $</a:t>
             </a:r>
             <a:r>
-              <a:rPr lang="en-US" altLang="zh-CN" sz="1400" dirty="0" err="1" smtClean="0"/>
+              <a:rPr lang="en-US" altLang="zh-CN" sz="1400" dirty="0" err="1"/>
               <a:t>unit_path</a:t>
             </a:r>
             <a:r>
-              <a:rPr lang="en-US" altLang="zh-CN" sz="1400" dirty="0" smtClean="0"/>
+              <a:rPr lang="en-US" altLang="zh-CN" sz="1400" dirty="0"/>
               <a:t>/analysis_00_ta_engine.xlsx’)</a:t>
             </a:r>
           </a:p>
           <a:p>
             <a:r>
-              <a:rPr lang="en-US" altLang="zh-CN" sz="1400" dirty="0" err="1" smtClean="0"/>
+              <a:rPr lang="en-US" altLang="zh-CN" sz="1400" dirty="0" err="1"/>
               <a:t>sys.exit</a:t>
             </a:r>
             <a:r>
-              <a:rPr lang="en-US" altLang="zh-CN" sz="1400" dirty="0" smtClean="0"/>
+              <a:rPr lang="en-US" altLang="zh-CN" sz="1400" dirty="0"/>
               <a:t>(</a:t>
             </a:r>
             <a:r>
-              <a:rPr lang="en-US" altLang="zh-CN" sz="1400" dirty="0" err="1" smtClean="0"/>
+              <a:rPr lang="en-US" altLang="zh-CN" sz="1400" dirty="0" err="1"/>
               <a:t>exit_sts</a:t>
             </a:r>
             <a:r>
-              <a:rPr lang="en-US" altLang="zh-CN" sz="1400" dirty="0" smtClean="0"/>
+              <a:rPr lang="en-US" altLang="zh-CN" sz="1400" dirty="0"/>
               <a:t>)</a:t>
             </a:r>
           </a:p>
@@ -47883,21 +47428,21 @@
           </a:p>
           <a:p>
             <a:r>
-              <a:rPr lang="en-US" altLang="zh-CN" sz="1400" dirty="0" smtClean="0"/>
+              <a:rPr lang="en-US" altLang="zh-CN" sz="1400" dirty="0"/>
               <a:t>#</a:t>
             </a:r>
             <a:r>
-              <a:rPr lang="en-US" altLang="zh-CN" sz="1400" dirty="0" err="1" smtClean="0"/>
+              <a:rPr lang="en-US" altLang="zh-CN" sz="1400" dirty="0" err="1"/>
               <a:t>perl</a:t>
             </a:r>
             <a:r>
-              <a:rPr lang="en-US" altLang="zh-CN" sz="1400" dirty="0" smtClean="0"/>
+              <a:rPr lang="en-US" altLang="zh-CN" sz="1400" dirty="0"/>
               <a:t> </a:t>
             </a:r>
           </a:p>
           <a:p>
             <a:r>
-              <a:rPr lang="en-US" altLang="zh-CN" sz="1400" dirty="0" smtClean="0"/>
+              <a:rPr lang="en-US" altLang="zh-CN" sz="1400" dirty="0"/>
               <a:t>exit </a:t>
             </a:r>
             <a:r>
@@ -47908,35 +47453,33 @@
               <a:rPr lang="en-US" altLang="zh-CN" sz="1400" dirty="0"/>
               <a:t>     </a:t>
             </a:r>
-            <a:endParaRPr lang="en-US" altLang="zh-CN" sz="1400" dirty="0" smtClean="0"/>
           </a:p>
           <a:p>
             <a:endParaRPr lang="en-US" altLang="zh-CN" sz="1400" dirty="0"/>
           </a:p>
           <a:p>
             <a:r>
-              <a:rPr lang="en-US" altLang="zh-CN" sz="1400" dirty="0" smtClean="0"/>
+              <a:rPr lang="en-US" altLang="zh-CN" sz="1400" dirty="0"/>
               <a:t>#java </a:t>
             </a:r>
           </a:p>
           <a:p>
             <a:r>
-              <a:rPr lang="en-US" altLang="zh-CN" sz="1400" dirty="0" err="1" smtClean="0"/>
+              <a:rPr lang="en-US" altLang="zh-CN" sz="1400" dirty="0" err="1"/>
               <a:t>System.exit</a:t>
             </a:r>
             <a:r>
-              <a:rPr lang="en-US" altLang="zh-CN" sz="1400" dirty="0" smtClean="0"/>
+              <a:rPr lang="en-US" altLang="zh-CN" sz="1400" dirty="0"/>
               <a:t>(</a:t>
             </a:r>
             <a:r>
-              <a:rPr lang="en-US" altLang="zh-CN" sz="1400" dirty="0" err="1" smtClean="0"/>
+              <a:rPr lang="en-US" altLang="zh-CN" sz="1400" dirty="0" err="1"/>
               <a:t>exit_sts</a:t>
             </a:r>
             <a:r>
               <a:rPr lang="en-US" altLang="zh-CN" sz="1400" dirty="0"/>
               <a:t>)</a:t>
             </a:r>
-            <a:endParaRPr lang="en-US" altLang="zh-CN" sz="1400" dirty="0" smtClean="0"/>
           </a:p>
           <a:p>
             <a:endParaRPr lang="en-US" altLang="zh-CN" sz="1400" dirty="0"/>
@@ -47953,13 +47496,6 @@
   <p:clrMapOvr>
     <a:masterClrMapping/>
   </p:clrMapOvr>
-  <p:timing>
-    <p:tnLst>
-      <p:par>
-        <p:cTn id="1" dur="indefinite" restart="never" nodeType="tmRoot"/>
-      </p:par>
-    </p:tnLst>
-  </p:timing>
 </p:sld>
 </file>
 
@@ -48045,20 +47581,12 @@
           <a:lstStyle/>
           <a:p>
             <a:r>
-              <a:rPr lang="en-US" dirty="0" smtClean="0"/>
-              <a:t>Appendix4 </a:t>
-            </a:r>
-            <a:r>
               <a:rPr lang="en-US" dirty="0"/>
-              <a:t>- </a:t>
-            </a:r>
-            <a:r>
-              <a:rPr lang="en-US" altLang="zh-CN" dirty="0" smtClean="0"/>
-              <a:t>Run </a:t>
+              <a:t>Appendix4 - </a:t>
             </a:r>
             <a:r>
               <a:rPr lang="en-US" altLang="zh-CN" dirty="0"/>
-              <a:t>user case</a:t>
+              <a:t>Run user case</a:t>
             </a:r>
             <a:endParaRPr lang="en-US" dirty="0"/>
           </a:p>
@@ -48086,7 +47614,7 @@
           <a:lstStyle/>
           <a:p>
             <a:r>
-              <a:rPr lang="en-US" altLang="zh-CN" sz="2000" b="1" dirty="0" smtClean="0"/>
+              <a:rPr lang="en-US" altLang="zh-CN" sz="2000" b="1" dirty="0"/>
               <a:t>Format:</a:t>
             </a:r>
           </a:p>
@@ -48095,7 +47623,7 @@
               <a:buAutoNum type="arabicPeriod"/>
             </a:pPr>
             <a:r>
-              <a:rPr lang="en-US" altLang="zh-CN" sz="1600" dirty="0" smtClean="0"/>
+              <a:rPr lang="en-US" altLang="zh-CN" sz="1600" dirty="0"/>
               <a:t>There is a run file in every case folder.</a:t>
             </a:r>
           </a:p>
@@ -48104,7 +47632,7 @@
               <a:buAutoNum type="arabicPeriod"/>
             </a:pPr>
             <a:r>
-              <a:rPr lang="en-US" altLang="zh-CN" sz="1600" dirty="0" smtClean="0"/>
+              <a:rPr lang="en-US" altLang="zh-CN" sz="1600" dirty="0"/>
               <a:t>Run file exit code: 0: pass, 1:tbd, others: fail</a:t>
             </a:r>
           </a:p>
@@ -48132,29 +47660,29 @@
           <a:lstStyle/>
           <a:p>
             <a:r>
-              <a:rPr lang="en-US" altLang="zh-CN" sz="2000" b="1" dirty="0" smtClean="0"/>
+              <a:rPr lang="en-US" altLang="zh-CN" sz="2000" b="1" dirty="0"/>
               <a:t>Launch CMD:</a:t>
             </a:r>
           </a:p>
           <a:p>
             <a:r>
-              <a:rPr lang="en-US" altLang="zh-CN" sz="1600" dirty="0" smtClean="0"/>
+              <a:rPr lang="en-US" altLang="zh-CN" sz="1600" dirty="0"/>
               <a:t>Clientc.exe/client -c -l -p &lt;</a:t>
             </a:r>
             <a:r>
-              <a:rPr lang="en-US" altLang="zh-CN" sz="1600" dirty="0" err="1" smtClean="0"/>
+              <a:rPr lang="en-US" altLang="zh-CN" sz="1600" dirty="0" err="1"/>
               <a:t>suite_path</a:t>
             </a:r>
             <a:r>
-              <a:rPr lang="en-US" altLang="zh-CN" sz="1600" dirty="0" smtClean="0"/>
+              <a:rPr lang="en-US" altLang="zh-CN" sz="1600" dirty="0"/>
               <a:t>&gt; -k &lt;</a:t>
             </a:r>
             <a:r>
-              <a:rPr lang="en-US" altLang="zh-CN" sz="1600" dirty="0" err="1" smtClean="0"/>
+              <a:rPr lang="en-US" altLang="zh-CN" sz="1600" dirty="0" err="1"/>
               <a:t>key_file</a:t>
             </a:r>
             <a:r>
-              <a:rPr lang="en-US" altLang="zh-CN" sz="1600" dirty="0" smtClean="0"/>
+              <a:rPr lang="en-US" altLang="zh-CN" sz="1600" dirty="0"/>
               <a:t>&gt; -x &lt;execute file&gt; -a &lt;arguments&gt; -e &lt;environments&gt;</a:t>
             </a:r>
           </a:p>
@@ -48163,40 +47691,40 @@
           </a:p>
           <a:p>
             <a:r>
-              <a:rPr lang="en-US" altLang="zh-CN" sz="1600" dirty="0" smtClean="0"/>
+              <a:rPr lang="en-US" altLang="zh-CN" sz="1600" dirty="0"/>
               <a:t>-k key file to make client consider the path is a case</a:t>
             </a:r>
           </a:p>
           <a:p>
             <a:r>
-              <a:rPr lang="en-US" altLang="zh-CN" sz="1600" dirty="0" smtClean="0"/>
+              <a:rPr lang="en-US" altLang="zh-CN" sz="1600" dirty="0"/>
               <a:t>-x execute file, support: </a:t>
             </a:r>
             <a:r>
-              <a:rPr lang="en-US" altLang="zh-CN" sz="1600" dirty="0" err="1" smtClean="0"/>
+              <a:rPr lang="en-US" altLang="zh-CN" sz="1600" dirty="0" err="1"/>
               <a:t>py</a:t>
             </a:r>
             <a:r>
-              <a:rPr lang="en-US" altLang="zh-CN" sz="1600" dirty="0" smtClean="0"/>
+              <a:rPr lang="en-US" altLang="zh-CN" sz="1600" dirty="0"/>
               <a:t>, </a:t>
             </a:r>
             <a:r>
-              <a:rPr lang="en-US" altLang="zh-CN" sz="1600" dirty="0" err="1" smtClean="0"/>
+              <a:rPr lang="en-US" altLang="zh-CN" sz="1600" dirty="0" err="1"/>
               <a:t>pl</a:t>
             </a:r>
             <a:r>
-              <a:rPr lang="en-US" altLang="zh-CN" sz="1600" dirty="0" smtClean="0"/>
+              <a:rPr lang="en-US" altLang="zh-CN" sz="1600" dirty="0"/>
               <a:t>, </a:t>
             </a:r>
             <a:r>
-              <a:rPr lang="en-US" altLang="zh-CN" sz="1600" dirty="0" err="1" smtClean="0"/>
+              <a:rPr lang="en-US" altLang="zh-CN" sz="1600" dirty="0" err="1"/>
               <a:t>sh</a:t>
             </a:r>
             <a:endParaRPr lang="en-US" altLang="zh-CN" sz="1600" dirty="0"/>
           </a:p>
           <a:p>
             <a:r>
-              <a:rPr lang="en-US" altLang="zh-CN" sz="1600" dirty="0" smtClean="0"/>
+              <a:rPr lang="en-US" altLang="zh-CN" sz="1600" dirty="0"/>
               <a:t>-a arguments for the execute file</a:t>
             </a:r>
           </a:p>
@@ -48225,13 +47753,8 @@
           <a:p>
             <a:r>
               <a:rPr lang="en-US" altLang="zh-CN" b="1" dirty="0"/>
-              <a:t>Launch </a:t>
+              <a:t>Launch GUI:</a:t>
             </a:r>
-            <a:r>
-              <a:rPr lang="en-US" altLang="zh-CN" b="1" dirty="0" smtClean="0"/>
-              <a:t>GUI:</a:t>
-            </a:r>
-            <a:endParaRPr lang="en-US" altLang="zh-CN" b="1" dirty="0"/>
           </a:p>
         </p:txBody>
       </p:sp>
@@ -48260,7 +47783,6 @@
             <a:tailEnd type="none" w="med" len="med"/>
           </a:ln>
           <a:effectLst/>
-          <a:extLst/>
         </p:spPr>
         <p:txBody>
           <a:bodyPr vert="horz" wrap="square" lIns="91440" tIns="45720" rIns="91440" bIns="45720" numCol="1" rtlCol="0" anchor="ctr" anchorCtr="0" compatLnSpc="1">
@@ -48287,7 +47809,7 @@
               <a:tabLst/>
             </a:pPr>
             <a:r>
-              <a:rPr kumimoji="0" lang="en-US" altLang="zh-CN" sz="2000" b="0" i="0" u="none" strike="noStrike" cap="none" normalizeH="0" baseline="0" dirty="0" smtClean="0">
+              <a:rPr kumimoji="0" lang="en-US" altLang="zh-CN" sz="2000" b="0" i="0" u="none" strike="noStrike" cap="none" normalizeH="0" baseline="0" dirty="0">
                 <a:ln>
                   <a:noFill/>
                 </a:ln>
@@ -48301,7 +47823,7 @@
               </a:rPr>
               <a:t>Demo</a:t>
             </a:r>
-            <a:endParaRPr kumimoji="0" lang="zh-CN" altLang="en-US" sz="2000" b="0" i="0" u="none" strike="noStrike" cap="none" normalizeH="0" baseline="0" dirty="0" smtClean="0">
+            <a:endParaRPr kumimoji="0" lang="zh-CN" altLang="en-US" sz="2000" b="0" i="0" u="none" strike="noStrike" cap="none" normalizeH="0" baseline="0" dirty="0">
               <a:ln>
                 <a:noFill/>
               </a:ln>
@@ -48388,13 +47910,6 @@
       <p:transition/>
     </mc:Fallback>
   </mc:AlternateContent>
-  <p:timing>
-    <p:tnLst>
-      <p:par>
-        <p:cTn id="1" dur="indefinite" restart="never" nodeType="tmRoot"/>
-      </p:par>
-    </p:tnLst>
-  </p:timing>
 </p:sld>
 </file>
 
@@ -48480,10 +47995,9 @@
           <a:lstStyle/>
           <a:p>
             <a:r>
-              <a:rPr lang="en-US" dirty="0" smtClean="0"/>
+              <a:rPr lang="en-US" dirty="0"/>
               <a:t>Appendix5 – Know issues</a:t>
             </a:r>
-            <a:endParaRPr lang="en-US" dirty="0"/>
           </a:p>
         </p:txBody>
       </p:sp>
@@ -48496,7 +48010,7 @@
         <p:spPr>
           <a:xfrm>
             <a:off x="228600" y="819150"/>
-            <a:ext cx="8458200" cy="646331"/>
+            <a:ext cx="8458200" cy="369332"/>
           </a:xfrm>
           <a:prstGeom prst="rect">
             <a:avLst/>
@@ -48509,27 +48023,14 @@
           <a:lstStyle/>
           <a:p>
             <a:r>
-              <a:rPr lang="en-US" altLang="zh-CN" dirty="0" smtClean="0"/>
-              <a:t>1. Currently EIT Case run with ENV/RTF not support </a:t>
+              <a:rPr lang="en-US" altLang="zh-CN" dirty="0"/>
+              <a:t>1. </a:t>
             </a:r>
             <a:r>
-              <a:rPr lang="en-US" altLang="zh-CN" dirty="0" err="1" smtClean="0"/>
-              <a:t>Synplify</a:t>
+              <a:rPr lang="en-US" altLang="zh-CN"/>
+              <a:t>NA</a:t>
             </a:r>
-            <a:r>
-              <a:rPr lang="en-US" altLang="zh-CN" dirty="0"/>
-              <a:t> </a:t>
-            </a:r>
-            <a:r>
-              <a:rPr lang="en-US" altLang="zh-CN" dirty="0" smtClean="0"/>
-              <a:t>and simulation flow.</a:t>
-            </a:r>
-          </a:p>
-          <a:p>
-            <a:r>
-              <a:rPr lang="en-US" altLang="zh-CN" dirty="0" smtClean="0"/>
-              <a:t>	-- we will contact with build team to find a solution</a:t>
-            </a:r>
+            <a:endParaRPr lang="en-US" altLang="zh-CN" dirty="0"/>
           </a:p>
         </p:txBody>
       </p:sp>
@@ -48543,13 +48044,6 @@
   <p:clrMapOvr>
     <a:masterClrMapping/>
   </p:clrMapOvr>
-  <p:timing>
-    <p:tnLst>
-      <p:par>
-        <p:cTn id="1" dur="indefinite" restart="never" nodeType="tmRoot"/>
-      </p:par>
-    </p:tnLst>
-  </p:timing>
 </p:sld>
 </file>
 
@@ -48588,10 +48082,9 @@
           <a:lstStyle/>
           <a:p>
             <a:r>
-              <a:rPr lang="en-US" dirty="0" smtClean="0"/>
+              <a:rPr lang="en-US" dirty="0"/>
               <a:t>Agenda</a:t>
             </a:r>
-            <a:endParaRPr lang="en-US" dirty="0"/>
           </a:p>
         </p:txBody>
       </p:sp>
@@ -48618,16 +48111,16 @@
           <a:lstStyle/>
           <a:p>
             <a:r>
-              <a:rPr lang="en-US" sz="2000" dirty="0" smtClean="0"/>
+              <a:rPr lang="en-US" sz="2000" dirty="0"/>
               <a:t>GUI test suites introduction</a:t>
             </a:r>
           </a:p>
           <a:p>
-            <a:endParaRPr lang="en-US" sz="2000" dirty="0" smtClean="0"/>
+            <a:endParaRPr lang="en-US" sz="2000" dirty="0"/>
           </a:p>
           <a:p>
             <a:r>
-              <a:rPr lang="en-US" altLang="zh-CN" sz="2000" dirty="0" smtClean="0"/>
+              <a:rPr lang="en-US" altLang="zh-CN" sz="2000" dirty="0"/>
               <a:t>Run test suite</a:t>
             </a:r>
           </a:p>
@@ -48637,11 +48130,7 @@
           <a:p>
             <a:r>
               <a:rPr lang="en-US" altLang="zh-CN" sz="2000" dirty="0"/>
-              <a:t>Result </a:t>
-            </a:r>
-            <a:r>
-              <a:rPr lang="en-US" altLang="zh-CN" sz="2000" dirty="0" smtClean="0"/>
-              <a:t>check</a:t>
+              <a:t>Result check</a:t>
             </a:r>
           </a:p>
           <a:p>
@@ -48649,15 +48138,11 @@
           </a:p>
           <a:p>
             <a:r>
-              <a:rPr lang="en-US" sz="2100" dirty="0" smtClean="0"/>
+              <a:rPr lang="en-US" sz="2100" dirty="0"/>
               <a:t>Q&amp;A</a:t>
             </a:r>
-            <a:r>
-              <a:rPr lang="en-US" dirty="0" smtClean="0"/>
-              <a:t/>
-            </a:r>
             <a:br>
-              <a:rPr lang="en-US" dirty="0" smtClean="0"/>
+              <a:rPr lang="en-US" dirty="0"/>
             </a:br>
             <a:endParaRPr lang="en-US" sz="1400" dirty="0"/>
           </a:p>
@@ -48681,13 +48166,6 @@
       <p:transition/>
     </mc:Fallback>
   </mc:AlternateContent>
-  <p:timing>
-    <p:tnLst>
-      <p:par>
-        <p:cTn id="1" dur="indefinite" restart="never" nodeType="tmRoot"/>
-      </p:par>
-    </p:tnLst>
-  </p:timing>
 </p:sld>
 </file>
 
@@ -48773,10 +48251,9 @@
           <a:lstStyle/>
           <a:p>
             <a:r>
-              <a:rPr lang="en-US" dirty="0" smtClean="0"/>
+              <a:rPr lang="en-US" dirty="0"/>
               <a:t>Goal and Expectation</a:t>
             </a:r>
-            <a:endParaRPr lang="en-US" dirty="0"/>
           </a:p>
         </p:txBody>
       </p:sp>
@@ -48802,34 +48279,14 @@
           <a:lstStyle/>
           <a:p>
             <a:r>
-              <a:rPr lang="en-US" altLang="zh-CN" b="1" dirty="0" smtClean="0"/>
+              <a:rPr lang="en-US" altLang="zh-CN" b="1" dirty="0"/>
               <a:t>Goal:</a:t>
             </a:r>
           </a:p>
           <a:p>
             <a:r>
-              <a:rPr lang="en-US" altLang="zh-CN" dirty="0" smtClean="0"/>
-              <a:t>Help LSH </a:t>
-            </a:r>
-            <a:r>
               <a:rPr lang="en-US" altLang="zh-CN" dirty="0"/>
-              <a:t>SW DEV functional groups </a:t>
-            </a:r>
-            <a:r>
-              <a:rPr lang="en-US" altLang="zh-CN" dirty="0" smtClean="0"/>
-              <a:t>run </a:t>
-            </a:r>
-            <a:r>
-              <a:rPr lang="en-US" altLang="zh-CN" dirty="0"/>
-              <a:t>SW QA </a:t>
-            </a:r>
-            <a:r>
-              <a:rPr lang="en-US" altLang="zh-CN" dirty="0" smtClean="0"/>
-              <a:t>EIT2 </a:t>
-            </a:r>
-            <a:r>
-              <a:rPr lang="en-US" altLang="zh-CN" dirty="0"/>
-              <a:t>cases(All/partial) with TMP client on their local/remote machines before code check-in. </a:t>
+              <a:t>Help LSH SW DEV functional groups run SW QA EIT2 cases(All/partial) with TMP client on their local/remote machines before code check-in. </a:t>
             </a:r>
             <a:endParaRPr lang="zh-CN" altLang="en-US" dirty="0"/>
           </a:p>
@@ -48860,34 +48317,17 @@
               <a:rPr lang="en-US" altLang="zh-CN" b="1" dirty="0"/>
               <a:t>Expectation :</a:t>
             </a:r>
-            <a:endParaRPr lang="en-US" altLang="zh-CN" b="1" dirty="0" smtClean="0"/>
           </a:p>
           <a:p>
             <a:r>
-              <a:rPr lang="en-US" altLang="zh-CN" dirty="0" smtClean="0"/>
-              <a:t>LSH </a:t>
-            </a:r>
-            <a:r>
               <a:rPr lang="en-US" altLang="zh-CN" dirty="0"/>
-              <a:t>SW DEV </a:t>
-            </a:r>
-            <a:r>
-              <a:rPr lang="en-US" altLang="zh-CN" dirty="0" smtClean="0"/>
-              <a:t>can easily run EIT2 suite on local machine with special build.</a:t>
+              <a:t>LSH SW DEV can easily run EIT2 suite on local machine with special build.</a:t>
             </a:r>
           </a:p>
           <a:p>
             <a:r>
-              <a:rPr lang="en-US" altLang="zh-CN" dirty="0" smtClean="0"/>
-              <a:t>LSH </a:t>
-            </a:r>
-            <a:r>
               <a:rPr lang="en-US" altLang="zh-CN" dirty="0"/>
-              <a:t>SW </a:t>
-            </a:r>
-            <a:r>
-              <a:rPr lang="en-US" altLang="zh-CN" dirty="0" smtClean="0"/>
-              <a:t>DEV start to run EIT2 suite before code check in.</a:t>
+              <a:t>LSH SW DEV start to run EIT2 suite before code check in.</a:t>
             </a:r>
             <a:endParaRPr lang="zh-CN" altLang="en-US" dirty="0"/>
           </a:p>
@@ -48903,13 +48343,6 @@
   <p:clrMapOvr>
     <a:masterClrMapping/>
   </p:clrMapOvr>
-  <p:timing>
-    <p:tnLst>
-      <p:par>
-        <p:cTn id="1" dur="indefinite" restart="never" nodeType="tmRoot"/>
-      </p:par>
-    </p:tnLst>
-  </p:timing>
 </p:sld>
 </file>
 
@@ -48995,16 +48428,8 @@
           <a:lstStyle/>
           <a:p>
             <a:r>
-              <a:rPr lang="en-US" altLang="zh-CN" dirty="0" smtClean="0"/>
-              <a:t>LSH </a:t>
-            </a:r>
-            <a:r>
               <a:rPr lang="en-US" altLang="zh-CN" dirty="0"/>
-              <a:t>GUI test suites </a:t>
-            </a:r>
-            <a:r>
-              <a:rPr lang="en-US" altLang="zh-CN" dirty="0" smtClean="0"/>
-              <a:t>introduction</a:t>
+              <a:t>LSH GUI test suites introduction</a:t>
             </a:r>
             <a:endParaRPr lang="en-US" dirty="0"/>
           </a:p>
@@ -49033,33 +48458,29 @@
           <a:lstStyle/>
           <a:p>
             <a:r>
-              <a:rPr lang="en-US" altLang="zh-CN" sz="1600" b="1" dirty="0" smtClean="0"/>
+              <a:rPr lang="en-US" altLang="zh-CN" sz="1600" b="1" dirty="0"/>
               <a:t>Test suite:</a:t>
             </a:r>
           </a:p>
           <a:p>
             <a:r>
-              <a:rPr lang="en-US" altLang="zh-CN" sz="1600" dirty="0" smtClean="0"/>
+              <a:rPr lang="en-US" altLang="zh-CN" sz="1600" dirty="0"/>
               <a:t>&lt;</a:t>
             </a:r>
             <a:r>
-              <a:rPr lang="en-US" altLang="zh-CN" sz="1600" dirty="0" err="1" smtClean="0"/>
+              <a:rPr lang="en-US" altLang="zh-CN" sz="1600" dirty="0" err="1"/>
               <a:t>Install_path</a:t>
             </a:r>
             <a:r>
               <a:rPr lang="en-US" altLang="zh-CN" sz="1600" dirty="0"/>
-              <a:t>&gt;/</a:t>
+              <a:t>&gt;/doc/</a:t>
             </a:r>
             <a:r>
-              <a:rPr lang="en-US" altLang="zh-CN" sz="1600" dirty="0" smtClean="0"/>
-              <a:t>doc/</a:t>
-            </a:r>
-            <a:r>
-              <a:rPr lang="en-US" altLang="zh-CN" sz="1600" dirty="0" err="1" smtClean="0"/>
+              <a:rPr lang="en-US" altLang="zh-CN" sz="1600" dirty="0" err="1"/>
               <a:t>TMP_EIT_suites</a:t>
             </a:r>
             <a:r>
-              <a:rPr lang="en-US" altLang="zh-CN" sz="1600" dirty="0" smtClean="0"/>
+              <a:rPr lang="en-US" altLang="zh-CN" sz="1600" dirty="0"/>
               <a:t>/pn_20_project_navigator_all.xlsx</a:t>
             </a:r>
           </a:p>
@@ -49068,13 +48489,13 @@
           </a:p>
           <a:p>
             <a:r>
-              <a:rPr lang="en-US" altLang="zh-CN" sz="1600" b="1" dirty="0" smtClean="0"/>
+              <a:rPr lang="en-US" altLang="zh-CN" sz="1600" b="1" dirty="0"/>
               <a:t>Total run time:</a:t>
             </a:r>
           </a:p>
           <a:p>
             <a:r>
-              <a:rPr lang="en-US" altLang="zh-CN" sz="1600" dirty="0" smtClean="0"/>
+              <a:rPr lang="en-US" altLang="zh-CN" sz="1600" dirty="0"/>
               <a:t>About 8 minutes with one thread on Windows 10</a:t>
             </a:r>
           </a:p>
@@ -49083,7 +48504,7 @@
           </a:p>
           <a:p>
             <a:r>
-              <a:rPr lang="en-US" altLang="zh-CN" sz="1600" b="1" dirty="0" smtClean="0"/>
+              <a:rPr lang="en-US" altLang="zh-CN" sz="1600" b="1" dirty="0"/>
               <a:t>Test case details:</a:t>
             </a:r>
           </a:p>
@@ -49615,13 +49036,6 @@
   <p:clrMapOvr>
     <a:masterClrMapping/>
   </p:clrMapOvr>
-  <p:timing>
-    <p:tnLst>
-      <p:par>
-        <p:cTn id="1" dur="indefinite" restart="never" nodeType="tmRoot"/>
-      </p:par>
-    </p:tnLst>
-  </p:timing>
 </p:sld>
 </file>
 
@@ -49708,11 +49122,7 @@
           <a:p>
             <a:r>
               <a:rPr lang="en-US" altLang="zh-CN" dirty="0"/>
-              <a:t>Software </a:t>
-            </a:r>
-            <a:r>
-              <a:rPr lang="en-US" altLang="zh-CN" dirty="0" smtClean="0"/>
-              <a:t>Preparation</a:t>
+              <a:t>Software Preparation</a:t>
             </a:r>
             <a:endParaRPr lang="en-US" dirty="0"/>
           </a:p>
@@ -49741,36 +49151,22 @@
           <a:lstStyle/>
           <a:p>
             <a:r>
-              <a:rPr lang="en-US" altLang="zh-CN" sz="1600" b="1" dirty="0" smtClean="0"/>
-              <a:t>1. Install </a:t>
-            </a:r>
-            <a:r>
               <a:rPr lang="en-US" altLang="zh-CN" sz="1600" b="1" dirty="0"/>
-              <a:t>dependence </a:t>
-            </a:r>
-            <a:r>
-              <a:rPr lang="en-US" altLang="zh-CN" sz="1600" b="1" dirty="0" smtClean="0"/>
-              <a:t>SW:</a:t>
+              <a:t>1. Install dependence SW:</a:t>
             </a:r>
           </a:p>
           <a:p>
             <a:r>
-              <a:rPr lang="en-US" altLang="zh-CN" sz="1600" dirty="0" smtClean="0"/>
+              <a:rPr lang="en-US" altLang="zh-CN" sz="1600" dirty="0"/>
               <a:t>SW location: </a:t>
             </a:r>
             <a:r>
               <a:rPr lang="en-US" altLang="zh-CN" sz="1600" dirty="0">
                 <a:hlinkClick r:id="rId3" action="ppaction://hlinkfile"/>
               </a:rPr>
-              <a:t>\\</a:t>
+              <a:t>\\lsh-smb04\sw\qa\qa_store\TMP_tools\depend_software</a:t>
             </a:r>
-            <a:r>
-              <a:rPr lang="en-US" altLang="zh-CN" sz="1600" dirty="0" smtClean="0">
-                <a:hlinkClick r:id="rId3" action="ppaction://hlinkfile"/>
-              </a:rPr>
-              <a:t>lsh-smb02\sw\qa\qa_store\TMP_tools\depend_software</a:t>
-            </a:r>
-            <a:endParaRPr lang="en-US" altLang="zh-CN" sz="1600" dirty="0" smtClean="0"/>
+            <a:endParaRPr lang="en-US" altLang="zh-CN" sz="1600" dirty="0"/>
           </a:p>
           <a:p>
             <a:r>
@@ -49813,17 +49209,17 @@
               <a:rPr lang="en-US" altLang="zh-CN" sz="1600" dirty="0"/>
               <a:t>        Install: Setup-Subversion-1.6.6.msi</a:t>
             </a:r>
-            <a:endParaRPr lang="en-US" altLang="zh-CN" sz="1600" b="1" dirty="0" smtClean="0"/>
+            <a:endParaRPr lang="en-US" altLang="zh-CN" sz="1600" b="1" dirty="0"/>
           </a:p>
           <a:p>
-            <a:endParaRPr lang="en-US" altLang="zh-CN" sz="1600" b="1" dirty="0" smtClean="0"/>
+            <a:endParaRPr lang="en-US" altLang="zh-CN" sz="1600" b="1" dirty="0"/>
           </a:p>
           <a:p>
-            <a:endParaRPr lang="en-US" altLang="zh-CN" sz="1600" b="1" dirty="0" smtClean="0"/>
+            <a:endParaRPr lang="en-US" altLang="zh-CN" sz="1600" b="1" dirty="0"/>
           </a:p>
           <a:p>
             <a:r>
-              <a:rPr lang="en-US" altLang="zh-CN" sz="1600" b="1" dirty="0" smtClean="0"/>
+              <a:rPr lang="en-US" altLang="zh-CN" sz="1600" b="1" dirty="0"/>
               <a:t>2. Test these installation:</a:t>
             </a:r>
           </a:p>
@@ -49832,7 +49228,7 @@
               <a:buAutoNum type="arabicPeriod"/>
             </a:pPr>
             <a:r>
-              <a:rPr lang="en-US" altLang="zh-CN" sz="1600" dirty="0" smtClean="0"/>
+              <a:rPr lang="en-US" altLang="zh-CN" sz="1600" dirty="0"/>
               <a:t>Type ‘python --version’ in console , it should be ‘2.7.x’</a:t>
             </a:r>
           </a:p>
@@ -49841,15 +49237,15 @@
               <a:buAutoNum type="arabicPeriod"/>
             </a:pPr>
             <a:r>
-              <a:rPr lang="en-US" altLang="zh-CN" sz="1600" dirty="0" smtClean="0"/>
+              <a:rPr lang="en-US" altLang="zh-CN" sz="1600" dirty="0"/>
               <a:t>Type ‘</a:t>
             </a:r>
             <a:r>
-              <a:rPr lang="en-US" altLang="zh-CN" sz="1600" dirty="0" err="1" smtClean="0"/>
+              <a:rPr lang="en-US" altLang="zh-CN" sz="1600" dirty="0" err="1"/>
               <a:t>svn</a:t>
             </a:r>
             <a:r>
-              <a:rPr lang="en-US" altLang="zh-CN" sz="1600" dirty="0" smtClean="0"/>
+              <a:rPr lang="en-US" altLang="zh-CN" sz="1600" dirty="0"/>
               <a:t> --version’ in console, it should be ‘1.6.x’</a:t>
             </a:r>
           </a:p>
@@ -49858,7 +49254,7 @@
               <a:buAutoNum type="arabicPeriod"/>
             </a:pPr>
             <a:r>
-              <a:rPr lang="en-US" altLang="zh-CN" sz="1600" dirty="0" smtClean="0"/>
+              <a:rPr lang="en-US" altLang="zh-CN" sz="1600" dirty="0"/>
               <a:t>Open Squish IDE</a:t>
             </a:r>
           </a:p>
@@ -49874,13 +49270,6 @@
   <p:clrMapOvr>
     <a:masterClrMapping/>
   </p:clrMapOvr>
-  <p:timing>
-    <p:tnLst>
-      <p:par>
-        <p:cTn id="1" dur="indefinite" restart="never" nodeType="tmRoot"/>
-      </p:par>
-    </p:tnLst>
-  </p:timing>
 </p:sld>
 </file>
 
@@ -49967,11 +49356,7 @@
           <a:p>
             <a:r>
               <a:rPr lang="en-US" altLang="zh-CN" dirty="0"/>
-              <a:t>Software </a:t>
-            </a:r>
-            <a:r>
-              <a:rPr lang="en-US" altLang="zh-CN" dirty="0" smtClean="0"/>
-              <a:t>Preparation</a:t>
+              <a:t>Software Preparation</a:t>
             </a:r>
             <a:endParaRPr lang="en-US" dirty="0"/>
           </a:p>
@@ -50000,12 +49385,8 @@
           <a:lstStyle/>
           <a:p>
             <a:r>
-              <a:rPr lang="en-US" altLang="zh-CN" sz="1600" b="1" dirty="0" smtClean="0"/>
-              <a:t>1. </a:t>
-            </a:r>
-            <a:r>
               <a:rPr lang="en-US" altLang="zh-CN" sz="1600" b="1" dirty="0"/>
-              <a:t>Install Client:</a:t>
+              <a:t>1. Install Client:</a:t>
             </a:r>
           </a:p>
           <a:p>
@@ -50027,22 +49408,22 @@
               <a:rPr lang="en-US" altLang="zh-CN" sz="1600" dirty="0">
                 <a:hlinkClick r:id="rId3" action="ppaction://hlinkfile"/>
               </a:rPr>
-              <a:t>\\lsh-smb02\sw\qa\qa_store\TMP_tools\client_software</a:t>
+              <a:t>\\lsh-smb04\sw\qa\qa_store\TMP_tools\client_software</a:t>
             </a:r>
             <a:endParaRPr lang="en-US" altLang="zh-CN" sz="1600" dirty="0"/>
           </a:p>
           <a:p>
-            <a:endParaRPr lang="en-US" altLang="zh-CN" sz="1600" dirty="0" smtClean="0"/>
+            <a:endParaRPr lang="en-US" altLang="zh-CN" sz="1600" dirty="0"/>
           </a:p>
           <a:p>
             <a:r>
-              <a:rPr lang="en-US" altLang="zh-CN" sz="1600" dirty="0" smtClean="0"/>
+              <a:rPr lang="en-US" altLang="zh-CN" sz="1600" dirty="0"/>
               <a:t>2. Launch Client:</a:t>
             </a:r>
           </a:p>
           <a:p>
             <a:r>
-              <a:rPr lang="en-US" altLang="zh-CN" sz="1600" dirty="0" smtClean="0"/>
+              <a:rPr lang="en-US" altLang="zh-CN" sz="1600" dirty="0"/>
               <a:t>Click ‘Windows menu’ -&gt; ‘All Programs’ -&gt; ‘TestRail Client’ -&gt; ‘client’</a:t>
             </a:r>
           </a:p>
@@ -50051,7 +49432,7 @@
           </a:p>
           <a:p>
             <a:r>
-              <a:rPr lang="en-US" altLang="zh-CN" sz="1600" dirty="0" smtClean="0"/>
+              <a:rPr lang="en-US" altLang="zh-CN" sz="1600" dirty="0"/>
               <a:t>Or</a:t>
             </a:r>
           </a:p>
@@ -50088,13 +49469,6 @@
   <p:clrMapOvr>
     <a:masterClrMapping/>
   </p:clrMapOvr>
-  <p:timing>
-    <p:tnLst>
-      <p:par>
-        <p:cTn id="1" dur="indefinite" restart="never" nodeType="tmRoot"/>
-      </p:par>
-    </p:tnLst>
-  </p:timing>
 </p:sld>
 </file>
 
@@ -50180,10 +49554,9 @@
           <a:lstStyle/>
           <a:p>
             <a:r>
-              <a:rPr lang="en-US" dirty="0" smtClean="0"/>
+              <a:rPr lang="en-US" dirty="0"/>
               <a:t>GUI - Client Software Setting</a:t>
             </a:r>
-            <a:endParaRPr lang="en-US" dirty="0"/>
           </a:p>
         </p:txBody>
       </p:sp>
@@ -50212,7 +49585,7 @@
               <a:buAutoNum type="arabicPeriod"/>
             </a:pPr>
             <a:r>
-              <a:rPr lang="en-US" altLang="zh-CN" dirty="0" smtClean="0"/>
+              <a:rPr lang="en-US" altLang="zh-CN" dirty="0"/>
               <a:t>Set available Software by ‘Settings’ -&gt; ‘Software…’</a:t>
             </a:r>
           </a:p>
@@ -50223,18 +49596,14 @@
             </a:pPr>
             <a:r>
               <a:rPr lang="en-US" altLang="zh-CN" sz="1200" dirty="0"/>
-              <a:t>Radiant version: </a:t>
+              <a:t>Radiant version: ng1_2 = &lt;</a:t>
             </a:r>
             <a:r>
-              <a:rPr lang="en-US" altLang="zh-CN" sz="1200" dirty="0" smtClean="0"/>
-              <a:t>ng1_2 = &lt;</a:t>
-            </a:r>
-            <a:r>
-              <a:rPr lang="en-US" altLang="zh-CN" sz="1200" dirty="0" err="1" smtClean="0"/>
+              <a:rPr lang="en-US" altLang="zh-CN" sz="1200" dirty="0" err="1"/>
               <a:t>install_path</a:t>
             </a:r>
             <a:r>
-              <a:rPr lang="en-US" altLang="zh-CN" sz="1200" dirty="0" smtClean="0"/>
+              <a:rPr lang="en-US" altLang="zh-CN" sz="1200" dirty="0"/>
               <a:t>&gt;</a:t>
             </a:r>
           </a:p>
@@ -50244,12 +49613,8 @@
               <a:buChar char="•"/>
             </a:pPr>
             <a:r>
-              <a:rPr lang="en-US" altLang="zh-CN" sz="1200" dirty="0" smtClean="0"/>
-              <a:t>Squish version:6.1.0 = </a:t>
-            </a:r>
-            <a:r>
               <a:rPr lang="en-US" altLang="zh-CN" sz="1200" dirty="0"/>
-              <a:t>&lt;</a:t>
+              <a:t>Squish version:6.1.0 = &lt;</a:t>
             </a:r>
             <a:r>
               <a:rPr lang="en-US" altLang="zh-CN" sz="1200" dirty="0" err="1"/>
@@ -50332,24 +49697,15 @@
           <a:lstStyle/>
           <a:p>
             <a:r>
-              <a:rPr lang="en-US" altLang="zh-CN" sz="1200" dirty="0" smtClean="0"/>
-              <a:t>*:Suite file has test case </a:t>
-            </a:r>
-            <a:r>
               <a:rPr lang="en-US" altLang="zh-CN" sz="1200" dirty="0"/>
-              <a:t>information</a:t>
-            </a:r>
-            <a:r>
-              <a:rPr lang="en-US" altLang="zh-CN" sz="1200" dirty="0" smtClean="0"/>
-              <a:t> and run requirements, TMP client check the available information and run matched tasks.</a:t>
+              <a:t>*:Suite file has test case information and run requirements, TMP client check the available information and run matched tasks.</a:t>
             </a:r>
           </a:p>
           <a:p>
             <a:r>
-              <a:rPr lang="en-US" altLang="zh-CN" sz="1200" dirty="0" smtClean="0"/>
+              <a:rPr lang="en-US" altLang="zh-CN" sz="1200" dirty="0"/>
               <a:t>  </a:t>
             </a:r>
-            <a:endParaRPr lang="en-US" altLang="zh-CN" sz="1200" dirty="0"/>
           </a:p>
         </p:txBody>
       </p:sp>
@@ -50363,13 +49719,6 @@
   <p:clrMapOvr>
     <a:masterClrMapping/>
   </p:clrMapOvr>
-  <p:timing>
-    <p:tnLst>
-      <p:par>
-        <p:cTn id="1" dur="indefinite" restart="never" nodeType="tmRoot"/>
-      </p:par>
-    </p:tnLst>
-  </p:timing>
 </p:sld>
 </file>
 
@@ -50459,10 +49808,9 @@
               <a:t>GUI - </a:t>
             </a:r>
             <a:r>
-              <a:rPr lang="en-US" dirty="0" smtClean="0"/>
+              <a:rPr lang="en-US" dirty="0"/>
               <a:t>Launch EIT2 suites</a:t>
             </a:r>
-            <a:endParaRPr lang="en-US" dirty="0"/>
           </a:p>
         </p:txBody>
       </p:sp>
@@ -50491,7 +49839,7 @@
               <a:buAutoNum type="arabicPeriod"/>
             </a:pPr>
             <a:r>
-              <a:rPr lang="en-US" altLang="zh-CN" dirty="0" smtClean="0"/>
+              <a:rPr lang="en-US" altLang="zh-CN" dirty="0"/>
               <a:t>Run client.exe on Windows</a:t>
             </a:r>
           </a:p>
@@ -50499,11 +49847,11 @@
             <a:pPr marL="342900" indent="-342900">
               <a:buAutoNum type="arabicPeriod"/>
             </a:pPr>
-            <a:endParaRPr lang="en-US" altLang="zh-CN" dirty="0" smtClean="0"/>
+            <a:endParaRPr lang="en-US" altLang="zh-CN" dirty="0"/>
           </a:p>
           <a:p>
             <a:r>
-              <a:rPr lang="en-US" altLang="zh-CN" dirty="0" smtClean="0"/>
+              <a:rPr lang="en-US" altLang="zh-CN" dirty="0"/>
               <a:t>2. Client “imports…” on top left</a:t>
             </a:r>
           </a:p>
@@ -50512,7 +49860,7 @@
           </a:p>
           <a:p>
             <a:r>
-              <a:rPr lang="en-US" altLang="zh-CN" dirty="0" smtClean="0"/>
+              <a:rPr lang="en-US" altLang="zh-CN" dirty="0"/>
               <a:t>3. Select ‘Suite File’ tab</a:t>
             </a:r>
           </a:p>
@@ -50521,21 +49869,13 @@
           </a:p>
           <a:p>
             <a:r>
-              <a:rPr lang="en-US" altLang="zh-CN" dirty="0" smtClean="0"/>
-              <a:t>4. </a:t>
-            </a:r>
-            <a:r>
               <a:rPr lang="en-US" altLang="zh-CN" dirty="0"/>
-              <a:t>Select “</a:t>
-            </a:r>
-            <a:r>
-              <a:rPr lang="en-US" altLang="zh-CN" dirty="0" smtClean="0"/>
-              <a:t>pn_20_project_navigator_all.xlsx”</a:t>
+              <a:t>4. Select “pn_20_project_navigator_all.xlsx”</a:t>
             </a:r>
           </a:p>
           <a:p>
             <a:r>
-              <a:rPr lang="en-US" altLang="zh-CN" dirty="0" smtClean="0"/>
+              <a:rPr lang="en-US" altLang="zh-CN" dirty="0"/>
               <a:t>for ‘Unit Suite’</a:t>
             </a:r>
           </a:p>
@@ -50544,13 +49884,13 @@
           </a:p>
           <a:p>
             <a:r>
-              <a:rPr lang="en-US" altLang="zh-CN" dirty="0" smtClean="0"/>
+              <a:rPr lang="en-US" altLang="zh-CN" dirty="0"/>
               <a:t>5. Give the extra environments if need:</a:t>
             </a:r>
           </a:p>
           <a:p>
             <a:r>
-              <a:rPr lang="en-US" altLang="zh-CN" dirty="0" smtClean="0"/>
+              <a:rPr lang="en-US" altLang="zh-CN" dirty="0"/>
               <a:t> ENV=xxx, RTF=xxx</a:t>
             </a:r>
           </a:p>
@@ -50559,7 +49899,7 @@
           </a:p>
           <a:p>
             <a:r>
-              <a:rPr lang="en-US" altLang="zh-CN" dirty="0" smtClean="0"/>
+              <a:rPr lang="en-US" altLang="zh-CN" dirty="0"/>
               <a:t>6. Click ‘Apply’</a:t>
             </a:r>
           </a:p>
@@ -50567,7 +49907,7 @@
             <a:pPr marL="342900" indent="-342900">
               <a:buAutoNum type="arabicPeriod"/>
             </a:pPr>
-            <a:endParaRPr lang="en-US" altLang="zh-CN" dirty="0" smtClean="0"/>
+            <a:endParaRPr lang="en-US" altLang="zh-CN" dirty="0"/>
           </a:p>
         </p:txBody>
       </p:sp>
@@ -50629,13 +49969,6 @@
   <p:clrMapOvr>
     <a:masterClrMapping/>
   </p:clrMapOvr>
-  <p:timing>
-    <p:tnLst>
-      <p:par>
-        <p:cTn id="1" dur="indefinite" restart="never" nodeType="tmRoot"/>
-      </p:par>
-    </p:tnLst>
-  </p:timing>
 </p:sld>
 </file>
 
@@ -50722,11 +50055,7 @@
           <a:p>
             <a:r>
               <a:rPr lang="en-US" altLang="zh-CN" dirty="0"/>
-              <a:t>GUI </a:t>
-            </a:r>
-            <a:r>
-              <a:rPr lang="en-US" altLang="zh-CN" dirty="0" smtClean="0"/>
-              <a:t>– EIT2 suites running</a:t>
+              <a:t>GUI – EIT2 suites running</a:t>
             </a:r>
             <a:endParaRPr lang="en-US" dirty="0"/>
           </a:p>
@@ -50777,7 +50106,6 @@
             <a:headEnd type="none" w="med" len="med"/>
             <a:tailEnd type="none" w="med" len="med"/>
           </a:ln>
-          <a:extLst/>
         </p:spPr>
         <p:style>
           <a:lnRef idx="2">
@@ -50818,7 +50146,7 @@
               <a:tabLst/>
             </a:pPr>
             <a:r>
-              <a:rPr lang="en-US" altLang="zh-CN" sz="1600" dirty="0" smtClean="0">
+              <a:rPr lang="en-US" altLang="zh-CN" sz="1600" dirty="0">
                 <a:solidFill>
                   <a:srgbClr val="000000"/>
                 </a:solidFill>
@@ -50828,7 +50156,7 @@
               </a:rPr>
               <a:t>Double click the finished run</a:t>
             </a:r>
-            <a:endParaRPr kumimoji="0" lang="zh-CN" altLang="en-US" sz="1600" b="0" i="0" u="none" strike="noStrike" cap="none" normalizeH="0" baseline="0" dirty="0" smtClean="0">
+            <a:endParaRPr kumimoji="0" lang="zh-CN" altLang="en-US" sz="1600" b="0" i="0" u="none" strike="noStrike" cap="none" normalizeH="0" baseline="0" dirty="0">
               <a:ln>
                 <a:noFill/>
               </a:ln>
@@ -50864,7 +50192,6 @@
             <a:headEnd type="none" w="med" len="med"/>
             <a:tailEnd type="none" w="med" len="med"/>
           </a:ln>
-          <a:extLst/>
         </p:spPr>
         <p:style>
           <a:lnRef idx="2">
@@ -50905,7 +50232,7 @@
               <a:tabLst/>
             </a:pPr>
             <a:r>
-              <a:rPr lang="en-US" altLang="zh-CN" sz="1600" dirty="0" smtClean="0">
+              <a:rPr lang="en-US" altLang="zh-CN" sz="1600" dirty="0">
                 <a:solidFill>
                   <a:srgbClr val="000000"/>
                 </a:solidFill>
@@ -50915,7 +50242,7 @@
               </a:rPr>
               <a:t>Result Show</a:t>
             </a:r>
-            <a:endParaRPr kumimoji="0" lang="zh-CN" altLang="en-US" sz="1600" b="0" i="0" u="none" strike="noStrike" cap="none" normalizeH="0" baseline="0" dirty="0" smtClean="0">
+            <a:endParaRPr kumimoji="0" lang="zh-CN" altLang="en-US" sz="1600" b="0" i="0" u="none" strike="noStrike" cap="none" normalizeH="0" baseline="0" dirty="0">
               <a:ln>
                 <a:noFill/>
               </a:ln>
@@ -50955,7 +50282,6 @@
             <a:tailEnd type="none" w="med" len="med"/>
           </a:ln>
           <a:effectLst/>
-          <a:extLst/>
         </p:spPr>
         <p:txBody>
           <a:bodyPr vert="horz" wrap="square" lIns="91440" tIns="45720" rIns="91440" bIns="45720" numCol="1" rtlCol="0" anchor="ctr" anchorCtr="0" compatLnSpc="1">
@@ -50982,7 +50308,7 @@
               <a:tabLst/>
             </a:pPr>
             <a:r>
-              <a:rPr lang="en-US" altLang="zh-CN" sz="1600" dirty="0" smtClean="0">
+              <a:rPr lang="en-US" altLang="zh-CN" sz="1600" dirty="0">
                 <a:solidFill>
                   <a:srgbClr val="000000"/>
                 </a:solidFill>
@@ -50992,7 +50318,7 @@
               </a:rPr>
               <a:t>In GUI test you can retest the failed case</a:t>
             </a:r>
-            <a:endParaRPr kumimoji="0" lang="zh-CN" altLang="en-US" sz="1600" b="0" i="0" u="none" strike="noStrike" cap="none" normalizeH="0" baseline="0" dirty="0" smtClean="0">
+            <a:endParaRPr kumimoji="0" lang="zh-CN" altLang="en-US" sz="1600" b="0" i="0" u="none" strike="noStrike" cap="none" normalizeH="0" baseline="0" dirty="0">
               <a:ln>
                 <a:noFill/>
               </a:ln>
@@ -51076,7 +50402,6 @@
             <a:headEnd type="none" w="med" len="med"/>
             <a:tailEnd type="none" w="med" len="med"/>
           </a:ln>
-          <a:extLst/>
         </p:spPr>
         <p:style>
           <a:lnRef idx="2">
@@ -51117,7 +50442,7 @@
               <a:tabLst/>
             </a:pPr>
             <a:r>
-              <a:rPr lang="en-US" altLang="zh-CN" sz="1600" dirty="0" smtClean="0">
+              <a:rPr lang="en-US" altLang="zh-CN" sz="1600" dirty="0">
                 <a:solidFill>
                   <a:srgbClr val="000000"/>
                 </a:solidFill>
@@ -51127,7 +50452,7 @@
               </a:rPr>
               <a:t>Right click to Get Submit</a:t>
             </a:r>
-            <a:endParaRPr kumimoji="0" lang="zh-CN" altLang="en-US" sz="1600" b="0" i="0" u="none" strike="noStrike" cap="none" normalizeH="0" baseline="0" dirty="0" smtClean="0">
+            <a:endParaRPr kumimoji="0" lang="zh-CN" altLang="en-US" sz="1600" b="0" i="0" u="none" strike="noStrike" cap="none" normalizeH="0" baseline="0" dirty="0">
               <a:ln>
                 <a:noFill/>
               </a:ln>
@@ -51152,13 +50477,6 @@
   <p:clrMapOvr>
     <a:masterClrMapping/>
   </p:clrMapOvr>
-  <p:timing>
-    <p:tnLst>
-      <p:par>
-        <p:cTn id="1" dur="indefinite" restart="never" nodeType="tmRoot"/>
-      </p:par>
-    </p:tnLst>
-  </p:timing>
 </p:sld>
 </file>
 
@@ -51379,7 +50697,6 @@
           <a:tailEnd type="none" w="med" len="med"/>
         </a:ln>
         <a:effectLst/>
-        <a:extLst/>
       </a:spPr>
       <a:bodyPr vert="horz" wrap="square" lIns="91440" tIns="45720" rIns="91440" bIns="45720" numCol="1" rtlCol="0" anchor="ctr" anchorCtr="0" compatLnSpc="1">
         <a:prstTxWarp prst="textNoShape">
@@ -52120,15 +51437,6 @@
 </file>
 
 <file path=customXml/item2.xml><?xml version="1.0" encoding="utf-8"?>
-<p:properties xmlns:p="http://schemas.microsoft.com/office/2006/metadata/properties" xmlns:xsi="http://www.w3.org/2001/XMLSchema-instance">
-  <documentManagement>
-    <Sort_x0020_Order xmlns="122082c5-117c-4716-9a12-4c01b979939c" xsi:nil="true"/>
-    <Date xmlns="122082c5-117c-4716-9a12-4c01b979939c">2013-05-01T07:00:00+00:00</Date>
-  </documentManagement>
-</p:properties>
-</file>
-
-<file path=customXml/item3.xml><?xml version="1.0" encoding="utf-8"?>
 <ct:contentTypeSchema xmlns:ct="http://schemas.microsoft.com/office/2006/metadata/contentType" xmlns:ma="http://schemas.microsoft.com/office/2006/metadata/properties/metaAttributes" ct:_="" ma:_="" ma:contentTypeName="Document" ma:contentTypeID="0x010100D01EE198BA0A2E4181D5D3AB29BD537B" ma:contentTypeVersion="2" ma:contentTypeDescription="Create a new document." ma:contentTypeScope="" ma:versionID="2daa2a37b3772918ca96c73e3883d411">
   <xsd:schema xmlns:xsd="http://www.w3.org/2001/XMLSchema" xmlns:xs="http://www.w3.org/2001/XMLSchema" xmlns:p="http://schemas.microsoft.com/office/2006/metadata/properties" xmlns:ns2="122082c5-117c-4716-9a12-4c01b979939c" targetNamespace="http://schemas.microsoft.com/office/2006/metadata/properties" ma:root="true" ma:fieldsID="edaee47cf64a3631e42f40800399f152" ns2:_="">
     <xsd:import namespace="122082c5-117c-4716-9a12-4c01b979939c"/>
@@ -52262,6 +51570,15 @@
 </ct:contentTypeSchema>
 </file>
 
+<file path=customXml/item3.xml><?xml version="1.0" encoding="utf-8"?>
+<p:properties xmlns:p="http://schemas.microsoft.com/office/2006/metadata/properties" xmlns:xsi="http://www.w3.org/2001/XMLSchema-instance">
+  <documentManagement>
+    <Sort_x0020_Order xmlns="122082c5-117c-4716-9a12-4c01b979939c" xsi:nil="true"/>
+    <Date xmlns="122082c5-117c-4716-9a12-4c01b979939c">2013-05-01T07:00:00+00:00</Date>
+  </documentManagement>
+</p:properties>
+</file>
+
 <file path=customXml/itemProps1.xml><?xml version="1.0" encoding="utf-8"?>
 <ds:datastoreItem xmlns:ds="http://schemas.openxmlformats.org/officeDocument/2006/customXml" ds:itemID="{65AD889C-0E51-49CC-B53F-C59FB4C4971C}">
   <ds:schemaRefs>
@@ -52271,22 +51588,6 @@
 </file>
 
 <file path=customXml/itemProps2.xml><?xml version="1.0" encoding="utf-8"?>
-<ds:datastoreItem xmlns:ds="http://schemas.openxmlformats.org/officeDocument/2006/customXml" ds:itemID="{DE2933CA-2D74-435D-85CF-43FD28D8C2C9}">
-  <ds:schemaRefs>
-    <ds:schemaRef ds:uri="http://schemas.microsoft.com/office/2006/documentManagement/types"/>
-    <ds:schemaRef ds:uri="http://purl.org/dc/terms/"/>
-    <ds:schemaRef ds:uri="http://purl.org/dc/elements/1.1/"/>
-    <ds:schemaRef ds:uri="http://schemas.microsoft.com/office/2006/metadata/properties"/>
-    <ds:schemaRef ds:uri="122082c5-117c-4716-9a12-4c01b979939c"/>
-    <ds:schemaRef ds:uri="http://schemas.openxmlformats.org/package/2006/metadata/core-properties"/>
-    <ds:schemaRef ds:uri="http://schemas.microsoft.com/office/infopath/2007/PartnerControls"/>
-    <ds:schemaRef ds:uri="http://purl.org/dc/dcmitype/"/>
-    <ds:schemaRef ds:uri="http://www.w3.org/XML/1998/namespace"/>
-  </ds:schemaRefs>
-</ds:datastoreItem>
-</file>
-
-<file path=customXml/itemProps3.xml><?xml version="1.0" encoding="utf-8"?>
 <ds:datastoreItem xmlns:ds="http://schemas.openxmlformats.org/officeDocument/2006/customXml" ds:itemID="{0511F9F0-79CE-47CF-8554-8341B307CB60}">
   <ds:schemaRefs>
     <ds:schemaRef ds:uri="http://schemas.microsoft.com/office/2006/metadata/contentType"/>
@@ -52302,4 +51603,20 @@
     <ds:schemaRef ds:uri="http://schemas.microsoft.com/internal/obd"/>
   </ds:schemaRefs>
 </ds:datastoreItem>
+</file>
+
+<file path=customXml/itemProps3.xml><?xml version="1.0" encoding="utf-8"?>
+<ds:datastoreItem xmlns:ds="http://schemas.openxmlformats.org/officeDocument/2006/customXml" ds:itemID="{DE2933CA-2D74-435D-85CF-43FD28D8C2C9}">
+  <ds:schemaRefs>
+    <ds:schemaRef ds:uri="http://schemas.microsoft.com/office/2006/documentManagement/types"/>
+    <ds:schemaRef ds:uri="http://purl.org/dc/terms/"/>
+    <ds:schemaRef ds:uri="http://purl.org/dc/elements/1.1/"/>
+    <ds:schemaRef ds:uri="http://schemas.microsoft.com/office/2006/metadata/properties"/>
+    <ds:schemaRef ds:uri="122082c5-117c-4716-9a12-4c01b979939c"/>
+    <ds:schemaRef ds:uri="http://schemas.openxmlformats.org/package/2006/metadata/core-properties"/>
+    <ds:schemaRef ds:uri="http://schemas.microsoft.com/office/infopath/2007/PartnerControls"/>
+    <ds:schemaRef ds:uri="http://purl.org/dc/dcmitype/"/>
+    <ds:schemaRef ds:uri="http://www.w3.org/XML/1998/namespace"/>
+  </ds:schemaRefs>
+</ds:datastoreItem>
 </file>